--- a/figures/figs.pptx
+++ b/figures/figs.pptx
@@ -6,9 +6,9 @@
   </p:sldMasterIdLst>
   <p:sldIdLst>
     <p:sldId id="256" r:id="rId2"/>
-    <p:sldId id="258" r:id="rId3"/>
-    <p:sldId id="257" r:id="rId4"/>
-    <p:sldId id="259" r:id="rId5"/>
+    <p:sldId id="262" r:id="rId3"/>
+    <p:sldId id="260" r:id="rId4"/>
+    <p:sldId id="261" r:id="rId5"/>
   </p:sldIdLst>
   <p:sldSz cx="12192000" cy="6858000"/>
   <p:notesSz cx="6858000" cy="9144000"/>
@@ -107,6 +107,11 @@
       </a:defRPr>
     </a:lvl9pPr>
   </p:defaultTextStyle>
+  <p:extLst>
+    <p:ext uri="{EFAFB233-063F-42B5-8137-9DF3F51BA10A}">
+      <p15:sldGuideLst xmlns:p15="http://schemas.microsoft.com/office/powerpoint/2012/main"/>
+    </p:ext>
+  </p:extLst>
 </p:presentation>
 </file>
 
@@ -257,7 +262,7 @@
           <a:p>
             <a:fld id="{E1D21841-37EE-4C4F-8C0E-B2B5846679B2}" type="datetimeFigureOut">
               <a:rPr lang="en-US" smtClean="0"/>
-              <a:t>3/20/23</a:t>
+              <a:t>8/27/23</a:t>
             </a:fld>
             <a:endParaRPr lang="en-US"/>
           </a:p>
@@ -455,7 +460,7 @@
           <a:p>
             <a:fld id="{E1D21841-37EE-4C4F-8C0E-B2B5846679B2}" type="datetimeFigureOut">
               <a:rPr lang="en-US" smtClean="0"/>
-              <a:t>3/20/23</a:t>
+              <a:t>8/27/23</a:t>
             </a:fld>
             <a:endParaRPr lang="en-US"/>
           </a:p>
@@ -663,7 +668,7 @@
           <a:p>
             <a:fld id="{E1D21841-37EE-4C4F-8C0E-B2B5846679B2}" type="datetimeFigureOut">
               <a:rPr lang="en-US" smtClean="0"/>
-              <a:t>3/20/23</a:t>
+              <a:t>8/27/23</a:t>
             </a:fld>
             <a:endParaRPr lang="en-US"/>
           </a:p>
@@ -861,7 +866,7 @@
           <a:p>
             <a:fld id="{E1D21841-37EE-4C4F-8C0E-B2B5846679B2}" type="datetimeFigureOut">
               <a:rPr lang="en-US" smtClean="0"/>
-              <a:t>3/20/23</a:t>
+              <a:t>8/27/23</a:t>
             </a:fld>
             <a:endParaRPr lang="en-US"/>
           </a:p>
@@ -1136,7 +1141,7 @@
           <a:p>
             <a:fld id="{E1D21841-37EE-4C4F-8C0E-B2B5846679B2}" type="datetimeFigureOut">
               <a:rPr lang="en-US" smtClean="0"/>
-              <a:t>3/20/23</a:t>
+              <a:t>8/27/23</a:t>
             </a:fld>
             <a:endParaRPr lang="en-US"/>
           </a:p>
@@ -1401,7 +1406,7 @@
           <a:p>
             <a:fld id="{E1D21841-37EE-4C4F-8C0E-B2B5846679B2}" type="datetimeFigureOut">
               <a:rPr lang="en-US" smtClean="0"/>
-              <a:t>3/20/23</a:t>
+              <a:t>8/27/23</a:t>
             </a:fld>
             <a:endParaRPr lang="en-US"/>
           </a:p>
@@ -1813,7 +1818,7 @@
           <a:p>
             <a:fld id="{E1D21841-37EE-4C4F-8C0E-B2B5846679B2}" type="datetimeFigureOut">
               <a:rPr lang="en-US" smtClean="0"/>
-              <a:t>3/20/23</a:t>
+              <a:t>8/27/23</a:t>
             </a:fld>
             <a:endParaRPr lang="en-US"/>
           </a:p>
@@ -1954,7 +1959,7 @@
           <a:p>
             <a:fld id="{E1D21841-37EE-4C4F-8C0E-B2B5846679B2}" type="datetimeFigureOut">
               <a:rPr lang="en-US" smtClean="0"/>
-              <a:t>3/20/23</a:t>
+              <a:t>8/27/23</a:t>
             </a:fld>
             <a:endParaRPr lang="en-US"/>
           </a:p>
@@ -2067,7 +2072,7 @@
           <a:p>
             <a:fld id="{E1D21841-37EE-4C4F-8C0E-B2B5846679B2}" type="datetimeFigureOut">
               <a:rPr lang="en-US" smtClean="0"/>
-              <a:t>3/20/23</a:t>
+              <a:t>8/27/23</a:t>
             </a:fld>
             <a:endParaRPr lang="en-US"/>
           </a:p>
@@ -2378,7 +2383,7 @@
           <a:p>
             <a:fld id="{E1D21841-37EE-4C4F-8C0E-B2B5846679B2}" type="datetimeFigureOut">
               <a:rPr lang="en-US" smtClean="0"/>
-              <a:t>3/20/23</a:t>
+              <a:t>8/27/23</a:t>
             </a:fld>
             <a:endParaRPr lang="en-US"/>
           </a:p>
@@ -2666,7 +2671,7 @@
           <a:p>
             <a:fld id="{E1D21841-37EE-4C4F-8C0E-B2B5846679B2}" type="datetimeFigureOut">
               <a:rPr lang="en-US" smtClean="0"/>
-              <a:t>3/20/23</a:t>
+              <a:t>8/27/23</a:t>
             </a:fld>
             <a:endParaRPr lang="en-US"/>
           </a:p>
@@ -2907,7 +2912,7 @@
           <a:p>
             <a:fld id="{E1D21841-37EE-4C4F-8C0E-B2B5846679B2}" type="datetimeFigureOut">
               <a:rPr lang="en-US" smtClean="0"/>
-              <a:t>3/20/23</a:t>
+              <a:t>8/27/23</a:t>
             </a:fld>
             <a:endParaRPr lang="en-US"/>
           </a:p>
@@ -3579,10 +3584,10 @@
       </p:grpSpPr>
       <p:grpSp>
         <p:nvGrpSpPr>
-          <p:cNvPr id="7" name="Group 6">
-            <a:extLst>
-              <a:ext uri="{FF2B5EF4-FFF2-40B4-BE49-F238E27FC236}">
-                <a16:creationId xmlns:a16="http://schemas.microsoft.com/office/drawing/2014/main" id="{4D4387DE-E663-880B-4EAF-5C7589C26637}"/>
+          <p:cNvPr id="6" name="Group 5">
+            <a:extLst>
+              <a:ext uri="{FF2B5EF4-FFF2-40B4-BE49-F238E27FC236}">
+                <a16:creationId xmlns:a16="http://schemas.microsoft.com/office/drawing/2014/main" id="{1E216EC3-0EFC-E020-D7F0-F2D2CD29526C}"/>
               </a:ext>
             </a:extLst>
           </p:cNvPr>
@@ -3591,10 +3596,10 @@
         </p:nvGrpSpPr>
         <p:grpSpPr>
           <a:xfrm>
-            <a:off x="510207" y="0"/>
-            <a:ext cx="11171585" cy="7052432"/>
-            <a:chOff x="510207" y="0"/>
-            <a:chExt cx="11171585" cy="7052432"/>
+            <a:off x="507179" y="-3509"/>
+            <a:ext cx="9299804" cy="9441816"/>
+            <a:chOff x="507179" y="-3509"/>
+            <a:chExt cx="9299804" cy="9441816"/>
           </a:xfrm>
         </p:grpSpPr>
         <p:pic>
@@ -3636,43 +3641,6 @@
         </p:pic>
         <p:pic>
           <p:nvPicPr>
-            <p:cNvPr id="3" name="Picture 2">
-              <a:extLst>
-                <a:ext uri="{FF2B5EF4-FFF2-40B4-BE49-F238E27FC236}">
-                  <a16:creationId xmlns:a16="http://schemas.microsoft.com/office/drawing/2014/main" id="{E0D4CF33-CF02-5158-B1B6-F4F52EFB4A41}"/>
-                </a:ext>
-              </a:extLst>
-            </p:cNvPr>
-            <p:cNvPicPr>
-              <a:picLocks noChangeAspect="1"/>
-            </p:cNvPicPr>
-            <p:nvPr/>
-          </p:nvPicPr>
-          <p:blipFill>
-            <a:blip r:embed="rId3"/>
-            <a:stretch>
-              <a:fillRect/>
-            </a:stretch>
-          </p:blipFill>
-          <p:spPr>
-            <a:xfrm>
-              <a:off x="2391233" y="0"/>
-              <a:ext cx="1766455" cy="2286000"/>
-            </a:xfrm>
-            <a:prstGeom prst="rect">
-              <a:avLst/>
-            </a:prstGeom>
-            <a:ln>
-              <a:solidFill>
-                <a:schemeClr val="bg1">
-                  <a:lumMod val="85000"/>
-                </a:schemeClr>
-              </a:solidFill>
-            </a:ln>
-          </p:spPr>
-        </p:pic>
-        <p:pic>
-          <p:nvPicPr>
             <p:cNvPr id="4" name="Picture 3">
               <a:extLst>
                 <a:ext uri="{FF2B5EF4-FFF2-40B4-BE49-F238E27FC236}">
@@ -3686,7 +3654,7 @@
             <p:nvPr/>
           </p:nvPicPr>
           <p:blipFill>
-            <a:blip r:embed="rId4"/>
+            <a:blip r:embed="rId3"/>
             <a:stretch>
               <a:fillRect/>
             </a:stretch>
@@ -3723,7 +3691,7 @@
             <p:nvPr/>
           </p:nvPicPr>
           <p:blipFill>
-            <a:blip r:embed="rId5"/>
+            <a:blip r:embed="rId4"/>
             <a:stretch>
               <a:fillRect/>
             </a:stretch>
@@ -3760,7 +3728,7 @@
             <p:nvPr/>
           </p:nvPicPr>
           <p:blipFill>
-            <a:blip r:embed="rId6"/>
+            <a:blip r:embed="rId5"/>
             <a:stretch>
               <a:fillRect/>
             </a:stretch>
@@ -3797,14 +3765,14 @@
             <p:nvPr/>
           </p:nvPicPr>
           <p:blipFill>
-            <a:blip r:embed="rId7"/>
+            <a:blip r:embed="rId6"/>
             <a:stretch>
               <a:fillRect/>
             </a:stretch>
           </p:blipFill>
           <p:spPr>
             <a:xfrm>
-              <a:off x="9915336" y="0"/>
+              <a:off x="507179" y="2380585"/>
               <a:ext cx="1766455" cy="2286000"/>
             </a:xfrm>
             <a:prstGeom prst="rect">
@@ -3834,14 +3802,14 @@
             <p:nvPr/>
           </p:nvPicPr>
           <p:blipFill>
-            <a:blip r:embed="rId8"/>
+            <a:blip r:embed="rId7"/>
             <a:stretch>
               <a:fillRect/>
             </a:stretch>
           </p:blipFill>
           <p:spPr>
             <a:xfrm>
-              <a:off x="510207" y="2384093"/>
+              <a:off x="2388205" y="2380585"/>
               <a:ext cx="1766455" cy="2286000"/>
             </a:xfrm>
             <a:prstGeom prst="rect">
@@ -3871,14 +3839,14 @@
             <p:nvPr/>
           </p:nvPicPr>
           <p:blipFill>
-            <a:blip r:embed="rId9"/>
+            <a:blip r:embed="rId8"/>
             <a:stretch>
               <a:fillRect/>
             </a:stretch>
           </p:blipFill>
           <p:spPr>
             <a:xfrm>
-              <a:off x="2391233" y="2384093"/>
+              <a:off x="4269231" y="2380585"/>
               <a:ext cx="1766455" cy="2286000"/>
             </a:xfrm>
             <a:prstGeom prst="rect">
@@ -3908,14 +3876,14 @@
             <p:nvPr/>
           </p:nvPicPr>
           <p:blipFill>
-            <a:blip r:embed="rId10"/>
+            <a:blip r:embed="rId9"/>
             <a:stretch>
               <a:fillRect/>
             </a:stretch>
           </p:blipFill>
           <p:spPr>
             <a:xfrm>
-              <a:off x="4272259" y="2385847"/>
+              <a:off x="6150257" y="2382339"/>
               <a:ext cx="1766455" cy="2286000"/>
             </a:xfrm>
             <a:prstGeom prst="rect">
@@ -3945,14 +3913,14 @@
             <p:nvPr/>
           </p:nvPicPr>
           <p:blipFill>
-            <a:blip r:embed="rId11"/>
+            <a:blip r:embed="rId10"/>
             <a:stretch>
               <a:fillRect/>
             </a:stretch>
           </p:blipFill>
           <p:spPr>
             <a:xfrm>
-              <a:off x="6153285" y="2384093"/>
+              <a:off x="8031283" y="2380585"/>
               <a:ext cx="1766455" cy="2286000"/>
             </a:xfrm>
             <a:prstGeom prst="rect">
@@ -3982,14 +3950,14 @@
             <p:nvPr/>
           </p:nvPicPr>
           <p:blipFill>
-            <a:blip r:embed="rId12"/>
+            <a:blip r:embed="rId11"/>
             <a:stretch>
               <a:fillRect/>
             </a:stretch>
           </p:blipFill>
           <p:spPr>
             <a:xfrm>
-              <a:off x="8034311" y="2384093"/>
+              <a:off x="507179" y="4764678"/>
               <a:ext cx="1766455" cy="2286000"/>
             </a:xfrm>
             <a:prstGeom prst="rect">
@@ -4019,14 +3987,14 @@
             <p:nvPr/>
           </p:nvPicPr>
           <p:blipFill>
-            <a:blip r:embed="rId13"/>
+            <a:blip r:embed="rId12"/>
             <a:stretch>
               <a:fillRect/>
             </a:stretch>
           </p:blipFill>
           <p:spPr>
             <a:xfrm>
-              <a:off x="9915337" y="2384093"/>
+              <a:off x="2388205" y="4764678"/>
               <a:ext cx="1766455" cy="2286000"/>
             </a:xfrm>
             <a:prstGeom prst="rect">
@@ -4056,14 +4024,14 @@
             <p:nvPr/>
           </p:nvPicPr>
           <p:blipFill>
-            <a:blip r:embed="rId14"/>
+            <a:blip r:embed="rId13"/>
             <a:stretch>
               <a:fillRect/>
             </a:stretch>
           </p:blipFill>
           <p:spPr>
             <a:xfrm>
-              <a:off x="510207" y="4766432"/>
+              <a:off x="4269231" y="4764678"/>
               <a:ext cx="1766455" cy="2286000"/>
             </a:xfrm>
             <a:prstGeom prst="rect">
@@ -4093,51 +4061,14 @@
             <p:nvPr/>
           </p:nvPicPr>
           <p:blipFill>
-            <a:blip r:embed="rId15"/>
+            <a:blip r:embed="rId14"/>
             <a:stretch>
               <a:fillRect/>
             </a:stretch>
           </p:blipFill>
           <p:spPr>
             <a:xfrm>
-              <a:off x="2390476" y="4766432"/>
-              <a:ext cx="1766455" cy="2286000"/>
-            </a:xfrm>
-            <a:prstGeom prst="rect">
-              <a:avLst/>
-            </a:prstGeom>
-            <a:ln>
-              <a:solidFill>
-                <a:schemeClr val="bg1">
-                  <a:lumMod val="85000"/>
-                </a:schemeClr>
-              </a:solidFill>
-            </a:ln>
-          </p:spPr>
-        </p:pic>
-        <p:pic>
-          <p:nvPicPr>
-            <p:cNvPr id="23" name="Picture 22">
-              <a:extLst>
-                <a:ext uri="{FF2B5EF4-FFF2-40B4-BE49-F238E27FC236}">
-                  <a16:creationId xmlns:a16="http://schemas.microsoft.com/office/drawing/2014/main" id="{2EA7F747-004C-A364-1231-AEBFF3F2C65E}"/>
-                </a:ext>
-              </a:extLst>
-            </p:cNvPr>
-            <p:cNvPicPr>
-              <a:picLocks noChangeAspect="1"/>
-            </p:cNvPicPr>
-            <p:nvPr/>
-          </p:nvPicPr>
-          <p:blipFill>
-            <a:blip r:embed="rId16"/>
-            <a:stretch>
-              <a:fillRect/>
-            </a:stretch>
-          </p:blipFill>
-          <p:spPr>
-            <a:xfrm>
-              <a:off x="4270745" y="4766432"/>
+              <a:off x="6149500" y="4764678"/>
               <a:ext cx="1766455" cy="2286000"/>
             </a:xfrm>
             <a:prstGeom prst="rect">
@@ -4167,14 +4098,14 @@
             <p:nvPr/>
           </p:nvPicPr>
           <p:blipFill>
-            <a:blip r:embed="rId17"/>
+            <a:blip r:embed="rId15"/>
             <a:stretch>
               <a:fillRect/>
             </a:stretch>
           </p:blipFill>
           <p:spPr>
             <a:xfrm>
-              <a:off x="6151014" y="4766432"/>
+              <a:off x="508458" y="7152307"/>
               <a:ext cx="1766455" cy="2286000"/>
             </a:xfrm>
             <a:prstGeom prst="rect">
@@ -4204,14 +4135,14 @@
             <p:nvPr/>
           </p:nvPicPr>
           <p:blipFill>
-            <a:blip r:embed="rId18"/>
+            <a:blip r:embed="rId16"/>
             <a:stretch>
               <a:fillRect/>
             </a:stretch>
           </p:blipFill>
           <p:spPr>
             <a:xfrm>
-              <a:off x="8031283" y="4766432"/>
+              <a:off x="4274493" y="7152307"/>
               <a:ext cx="1766455" cy="2286000"/>
             </a:xfrm>
             <a:prstGeom prst="rect">
@@ -4241,6 +4172,80 @@
             <p:nvPr/>
           </p:nvPicPr>
           <p:blipFill>
+            <a:blip r:embed="rId17"/>
+            <a:stretch>
+              <a:fillRect/>
+            </a:stretch>
+          </p:blipFill>
+          <p:spPr>
+            <a:xfrm>
+              <a:off x="6149263" y="7145263"/>
+              <a:ext cx="1766455" cy="2286000"/>
+            </a:xfrm>
+            <a:prstGeom prst="rect">
+              <a:avLst/>
+            </a:prstGeom>
+            <a:ln>
+              <a:solidFill>
+                <a:schemeClr val="bg1">
+                  <a:lumMod val="85000"/>
+                </a:schemeClr>
+              </a:solidFill>
+            </a:ln>
+          </p:spPr>
+        </p:pic>
+        <p:pic>
+          <p:nvPicPr>
+            <p:cNvPr id="5" name="Picture 4">
+              <a:extLst>
+                <a:ext uri="{FF2B5EF4-FFF2-40B4-BE49-F238E27FC236}">
+                  <a16:creationId xmlns:a16="http://schemas.microsoft.com/office/drawing/2014/main" id="{0153E1A1-C9FA-6CE7-889A-25A598827B6C}"/>
+                </a:ext>
+              </a:extLst>
+            </p:cNvPr>
+            <p:cNvPicPr>
+              <a:picLocks noChangeAspect="1"/>
+            </p:cNvPicPr>
+            <p:nvPr/>
+          </p:nvPicPr>
+          <p:blipFill>
+            <a:blip r:embed="rId18"/>
+            <a:stretch>
+              <a:fillRect/>
+            </a:stretch>
+          </p:blipFill>
+          <p:spPr>
+            <a:xfrm>
+              <a:off x="2388205" y="-3509"/>
+              <a:ext cx="1766692" cy="2286001"/>
+            </a:xfrm>
+            <a:prstGeom prst="rect">
+              <a:avLst/>
+            </a:prstGeom>
+            <a:ln>
+              <a:solidFill>
+                <a:schemeClr val="bg1">
+                  <a:lumMod val="85000"/>
+                </a:schemeClr>
+              </a:solidFill>
+            </a:ln>
+          </p:spPr>
+        </p:pic>
+        <p:pic>
+          <p:nvPicPr>
+            <p:cNvPr id="8" name="Picture 7">
+              <a:extLst>
+                <a:ext uri="{FF2B5EF4-FFF2-40B4-BE49-F238E27FC236}">
+                  <a16:creationId xmlns:a16="http://schemas.microsoft.com/office/drawing/2014/main" id="{370EEB43-2FAB-DEA0-87B9-2E9FE22C15C5}"/>
+                </a:ext>
+              </a:extLst>
+            </p:cNvPr>
+            <p:cNvPicPr>
+              <a:picLocks noChangeAspect="1"/>
+            </p:cNvPicPr>
+            <p:nvPr/>
+          </p:nvPicPr>
+          <p:blipFill>
             <a:blip r:embed="rId19"/>
             <a:stretch>
               <a:fillRect/>
@@ -4248,8 +4253,82 @@
           </p:blipFill>
           <p:spPr>
             <a:xfrm>
-              <a:off x="9911550" y="4766432"/>
-              <a:ext cx="1766455" cy="2286000"/>
+              <a:off x="2394803" y="7152308"/>
+              <a:ext cx="1760656" cy="2278956"/>
+            </a:xfrm>
+            <a:prstGeom prst="rect">
+              <a:avLst/>
+            </a:prstGeom>
+            <a:ln>
+              <a:solidFill>
+                <a:schemeClr val="bg1">
+                  <a:lumMod val="85000"/>
+                </a:schemeClr>
+              </a:solidFill>
+            </a:ln>
+          </p:spPr>
+        </p:pic>
+        <p:pic>
+          <p:nvPicPr>
+            <p:cNvPr id="9" name="Picture 8">
+              <a:extLst>
+                <a:ext uri="{FF2B5EF4-FFF2-40B4-BE49-F238E27FC236}">
+                  <a16:creationId xmlns:a16="http://schemas.microsoft.com/office/drawing/2014/main" id="{86DDB529-F733-9169-E755-AE81292B975A}"/>
+                </a:ext>
+              </a:extLst>
+            </p:cNvPr>
+            <p:cNvPicPr>
+              <a:picLocks noChangeAspect="1"/>
+            </p:cNvPicPr>
+            <p:nvPr/>
+          </p:nvPicPr>
+          <p:blipFill>
+            <a:blip r:embed="rId20"/>
+            <a:stretch>
+              <a:fillRect/>
+            </a:stretch>
+          </p:blipFill>
+          <p:spPr>
+            <a:xfrm>
+              <a:off x="8040528" y="7145263"/>
+              <a:ext cx="1766455" cy="2286461"/>
+            </a:xfrm>
+            <a:prstGeom prst="rect">
+              <a:avLst/>
+            </a:prstGeom>
+            <a:ln>
+              <a:solidFill>
+                <a:schemeClr val="bg1">
+                  <a:lumMod val="85000"/>
+                </a:schemeClr>
+              </a:solidFill>
+            </a:ln>
+          </p:spPr>
+        </p:pic>
+        <p:pic>
+          <p:nvPicPr>
+            <p:cNvPr id="3" name="Picture 2">
+              <a:extLst>
+                <a:ext uri="{FF2B5EF4-FFF2-40B4-BE49-F238E27FC236}">
+                  <a16:creationId xmlns:a16="http://schemas.microsoft.com/office/drawing/2014/main" id="{43C3769B-0181-5CE0-A8E9-575A68CD6081}"/>
+                </a:ext>
+              </a:extLst>
+            </p:cNvPr>
+            <p:cNvPicPr>
+              <a:picLocks noChangeAspect="1"/>
+            </p:cNvPicPr>
+            <p:nvPr/>
+          </p:nvPicPr>
+          <p:blipFill>
+            <a:blip r:embed="rId21"/>
+            <a:stretch>
+              <a:fillRect/>
+            </a:stretch>
+          </p:blipFill>
+          <p:spPr>
+            <a:xfrm>
+              <a:off x="8029769" y="4761170"/>
+              <a:ext cx="1766455" cy="2287152"/>
             </a:xfrm>
             <a:prstGeom prst="rect">
               <a:avLst/>
@@ -4267,7 +4346,7 @@
     </p:spTree>
     <p:extLst>
       <p:ext uri="{BB962C8B-B14F-4D97-AF65-F5344CB8AC3E}">
-        <p14:creationId xmlns:p14="http://schemas.microsoft.com/office/powerpoint/2010/main" val="1432405662"/>
+        <p14:creationId xmlns:p14="http://schemas.microsoft.com/office/powerpoint/2010/main" val="2348708971"/>
       </p:ext>
     </p:extLst>
   </p:cSld>
@@ -4296,10 +4375,10 @@
       </p:grpSpPr>
       <p:grpSp>
         <p:nvGrpSpPr>
-          <p:cNvPr id="28" name="Group 27">
-            <a:extLst>
-              <a:ext uri="{FF2B5EF4-FFF2-40B4-BE49-F238E27FC236}">
-                <a16:creationId xmlns:a16="http://schemas.microsoft.com/office/drawing/2014/main" id="{7AAB8F5A-7065-E257-ACAC-2737A28C69CD}"/>
+          <p:cNvPr id="31" name="Group 30">
+            <a:extLst>
+              <a:ext uri="{FF2B5EF4-FFF2-40B4-BE49-F238E27FC236}">
+                <a16:creationId xmlns:a16="http://schemas.microsoft.com/office/drawing/2014/main" id="{A7F44B06-C95C-A5D5-CD83-6C1B660A714B}"/>
               </a:ext>
             </a:extLst>
           </p:cNvPr>
@@ -4308,18 +4387,18 @@
         </p:nvGrpSpPr>
         <p:grpSpPr>
           <a:xfrm>
-            <a:off x="138877" y="-221754"/>
-            <a:ext cx="12053123" cy="7260225"/>
-            <a:chOff x="138877" y="-221754"/>
-            <a:chExt cx="12053123" cy="7260225"/>
+            <a:off x="503913" y="0"/>
+            <a:ext cx="10897184" cy="6858000"/>
+            <a:chOff x="503913" y="0"/>
+            <a:chExt cx="10897184" cy="6858000"/>
           </a:xfrm>
         </p:grpSpPr>
         <p:pic>
           <p:nvPicPr>
-            <p:cNvPr id="2" name="Picture 1">
+            <p:cNvPr id="30" name="Picture 29">
               <a:extLst>
                 <a:ext uri="{FF2B5EF4-FFF2-40B4-BE49-F238E27FC236}">
-                  <a16:creationId xmlns:a16="http://schemas.microsoft.com/office/drawing/2014/main" id="{18BA72A0-EB38-4E0D-0F1B-DBA735AAD76B}"/>
+                  <a16:creationId xmlns:a16="http://schemas.microsoft.com/office/drawing/2014/main" id="{66352A85-C23C-9ECA-FA1F-D5B6A9848BB5}"/>
                 </a:ext>
               </a:extLst>
             </p:cNvPr>
@@ -4336,559 +4415,154 @@
           </p:blipFill>
           <p:spPr>
             <a:xfrm>
-              <a:off x="138877" y="-221754"/>
-              <a:ext cx="1805171" cy="2336104"/>
+              <a:off x="503913" y="0"/>
+              <a:ext cx="5299364" cy="6858000"/>
             </a:xfrm>
             <a:prstGeom prst="rect">
               <a:avLst/>
             </a:prstGeom>
+            <a:ln w="9525">
+              <a:solidFill>
+                <a:schemeClr val="bg1">
+                  <a:lumMod val="75000"/>
+                </a:schemeClr>
+              </a:solidFill>
+            </a:ln>
           </p:spPr>
         </p:pic>
-        <p:pic>
-          <p:nvPicPr>
-            <p:cNvPr id="3" name="Picture 2">
+        <p:grpSp>
+          <p:nvGrpSpPr>
+            <p:cNvPr id="11" name="Group 10">
               <a:extLst>
                 <a:ext uri="{FF2B5EF4-FFF2-40B4-BE49-F238E27FC236}">
-                  <a16:creationId xmlns:a16="http://schemas.microsoft.com/office/drawing/2014/main" id="{E0D4CF33-CF02-5158-B1B6-F4F52EFB4A41}"/>
+                  <a16:creationId xmlns:a16="http://schemas.microsoft.com/office/drawing/2014/main" id="{CFE92B9B-6E10-30C1-066C-87CBCB1CE8BD}"/>
                 </a:ext>
               </a:extLst>
             </p:cNvPr>
-            <p:cNvPicPr>
-              <a:picLocks noChangeAspect="1"/>
-            </p:cNvPicPr>
+            <p:cNvGrpSpPr/>
             <p:nvPr/>
-          </p:nvPicPr>
-          <p:blipFill>
-            <a:blip r:embed="rId3"/>
-            <a:stretch>
-              <a:fillRect/>
-            </a:stretch>
-          </p:blipFill>
-          <p:spPr>
+          </p:nvGrpSpPr>
+          <p:grpSpPr>
             <a:xfrm>
-              <a:off x="1944048" y="41292"/>
-              <a:ext cx="1398645" cy="1810011"/>
+              <a:off x="508000" y="0"/>
+              <a:ext cx="10893097" cy="6858000"/>
+              <a:chOff x="508000" y="0"/>
+              <a:chExt cx="10893097" cy="6858000"/>
             </a:xfrm>
-            <a:prstGeom prst="rect">
-              <a:avLst/>
-            </a:prstGeom>
-          </p:spPr>
-        </p:pic>
-        <p:pic>
-          <p:nvPicPr>
-            <p:cNvPr id="4" name="Picture 3">
-              <a:extLst>
-                <a:ext uri="{FF2B5EF4-FFF2-40B4-BE49-F238E27FC236}">
-                  <a16:creationId xmlns:a16="http://schemas.microsoft.com/office/drawing/2014/main" id="{84DE0EC8-D548-8C08-C508-84433E734FAB}"/>
-                </a:ext>
-              </a:extLst>
-            </p:cNvPr>
-            <p:cNvPicPr>
-              <a:picLocks noChangeAspect="1"/>
-            </p:cNvPicPr>
-            <p:nvPr/>
-          </p:nvPicPr>
-          <p:blipFill>
-            <a:blip r:embed="rId4"/>
-            <a:stretch>
-              <a:fillRect/>
-            </a:stretch>
-          </p:blipFill>
-          <p:spPr>
-            <a:xfrm>
-              <a:off x="3586951" y="-221754"/>
-              <a:ext cx="2114906" cy="2736937"/>
-            </a:xfrm>
-            <a:prstGeom prst="rect">
-              <a:avLst/>
-            </a:prstGeom>
-          </p:spPr>
-        </p:pic>
-        <p:pic>
-          <p:nvPicPr>
-            <p:cNvPr id="12" name="Picture 11">
-              <a:extLst>
-                <a:ext uri="{FF2B5EF4-FFF2-40B4-BE49-F238E27FC236}">
-                  <a16:creationId xmlns:a16="http://schemas.microsoft.com/office/drawing/2014/main" id="{2881D29B-68B2-75B7-09C2-E8AD5BBE860A}"/>
-                </a:ext>
-              </a:extLst>
-            </p:cNvPr>
-            <p:cNvPicPr>
-              <a:picLocks noChangeAspect="1"/>
-            </p:cNvPicPr>
-            <p:nvPr/>
-          </p:nvPicPr>
-          <p:blipFill>
-            <a:blip r:embed="rId5"/>
-            <a:stretch>
-              <a:fillRect/>
-            </a:stretch>
-          </p:blipFill>
-          <p:spPr>
-            <a:xfrm>
-              <a:off x="5946115" y="-114116"/>
-              <a:ext cx="2031731" cy="2629299"/>
-            </a:xfrm>
-            <a:prstGeom prst="rect">
-              <a:avLst/>
-            </a:prstGeom>
-          </p:spPr>
-        </p:pic>
-        <p:pic>
-          <p:nvPicPr>
-            <p:cNvPr id="13" name="Picture 12">
-              <a:extLst>
-                <a:ext uri="{FF2B5EF4-FFF2-40B4-BE49-F238E27FC236}">
-                  <a16:creationId xmlns:a16="http://schemas.microsoft.com/office/drawing/2014/main" id="{F17A2A33-1825-A918-C4CF-514CC769F28D}"/>
-                </a:ext>
-              </a:extLst>
-            </p:cNvPr>
-            <p:cNvPicPr>
-              <a:picLocks noChangeAspect="1"/>
-            </p:cNvPicPr>
-            <p:nvPr/>
-          </p:nvPicPr>
-          <p:blipFill>
-            <a:blip r:embed="rId6"/>
-            <a:stretch>
-              <a:fillRect/>
-            </a:stretch>
-          </p:blipFill>
-          <p:spPr>
-            <a:xfrm>
-              <a:off x="7977846" y="78869"/>
-              <a:ext cx="1340570" cy="1734855"/>
-            </a:xfrm>
-            <a:prstGeom prst="rect">
-              <a:avLst/>
-            </a:prstGeom>
-          </p:spPr>
-        </p:pic>
-        <p:pic>
-          <p:nvPicPr>
-            <p:cNvPr id="14" name="Picture 13">
-              <a:extLst>
-                <a:ext uri="{FF2B5EF4-FFF2-40B4-BE49-F238E27FC236}">
-                  <a16:creationId xmlns:a16="http://schemas.microsoft.com/office/drawing/2014/main" id="{13C96219-DA41-8082-6A78-A7AE3F7CF294}"/>
-                </a:ext>
-              </a:extLst>
-            </p:cNvPr>
-            <p:cNvPicPr>
-              <a:picLocks noChangeAspect="1"/>
-            </p:cNvPicPr>
-            <p:nvPr/>
-          </p:nvPicPr>
-          <p:blipFill>
-            <a:blip r:embed="rId7"/>
-            <a:stretch>
-              <a:fillRect/>
-            </a:stretch>
-          </p:blipFill>
-          <p:spPr>
-            <a:xfrm>
-              <a:off x="9556174" y="-46388"/>
-              <a:ext cx="1669661" cy="2160738"/>
-            </a:xfrm>
-            <a:prstGeom prst="rect">
-              <a:avLst/>
-            </a:prstGeom>
-          </p:spPr>
-        </p:pic>
-        <p:pic>
-          <p:nvPicPr>
-            <p:cNvPr id="15" name="Picture 14">
-              <a:extLst>
-                <a:ext uri="{FF2B5EF4-FFF2-40B4-BE49-F238E27FC236}">
-                  <a16:creationId xmlns:a16="http://schemas.microsoft.com/office/drawing/2014/main" id="{7A3A457C-1E02-B117-D658-10230C16613A}"/>
-                </a:ext>
-              </a:extLst>
-            </p:cNvPr>
-            <p:cNvPicPr>
-              <a:picLocks noChangeAspect="1"/>
-            </p:cNvPicPr>
-            <p:nvPr/>
-          </p:nvPicPr>
-          <p:blipFill>
-            <a:blip r:embed="rId8"/>
-            <a:stretch>
-              <a:fillRect/>
-            </a:stretch>
-          </p:blipFill>
-          <p:spPr>
-            <a:xfrm>
-              <a:off x="453736" y="1901404"/>
-              <a:ext cx="1805171" cy="2336104"/>
-            </a:xfrm>
-            <a:prstGeom prst="rect">
-              <a:avLst/>
-            </a:prstGeom>
-          </p:spPr>
-        </p:pic>
-        <p:pic>
-          <p:nvPicPr>
-            <p:cNvPr id="16" name="Picture 15">
-              <a:extLst>
-                <a:ext uri="{FF2B5EF4-FFF2-40B4-BE49-F238E27FC236}">
-                  <a16:creationId xmlns:a16="http://schemas.microsoft.com/office/drawing/2014/main" id="{7B946604-E21F-A54F-5E29-7CC1ADFCBDD9}"/>
-                </a:ext>
-              </a:extLst>
-            </p:cNvPr>
-            <p:cNvPicPr>
-              <a:picLocks noChangeAspect="1"/>
-            </p:cNvPicPr>
-            <p:nvPr/>
-          </p:nvPicPr>
-          <p:blipFill>
-            <a:blip r:embed="rId9"/>
-            <a:stretch>
-              <a:fillRect/>
-            </a:stretch>
-          </p:blipFill>
-          <p:spPr>
-            <a:xfrm>
-              <a:off x="2339353" y="2039191"/>
-              <a:ext cx="2031732" cy="2629300"/>
-            </a:xfrm>
-            <a:prstGeom prst="rect">
-              <a:avLst/>
-            </a:prstGeom>
-          </p:spPr>
-        </p:pic>
-        <p:pic>
-          <p:nvPicPr>
-            <p:cNvPr id="17" name="Picture 16">
-              <a:extLst>
-                <a:ext uri="{FF2B5EF4-FFF2-40B4-BE49-F238E27FC236}">
-                  <a16:creationId xmlns:a16="http://schemas.microsoft.com/office/drawing/2014/main" id="{A0774EDB-4A1B-EAAA-3541-EC756F478B1A}"/>
-                </a:ext>
-              </a:extLst>
-            </p:cNvPr>
-            <p:cNvPicPr>
-              <a:picLocks noChangeAspect="1"/>
-            </p:cNvPicPr>
-            <p:nvPr/>
-          </p:nvPicPr>
-          <p:blipFill>
-            <a:blip r:embed="rId10"/>
-            <a:stretch>
-              <a:fillRect/>
-            </a:stretch>
-          </p:blipFill>
-          <p:spPr>
-            <a:xfrm>
-              <a:off x="4451531" y="2039191"/>
-              <a:ext cx="2031733" cy="2629301"/>
-            </a:xfrm>
-            <a:prstGeom prst="rect">
-              <a:avLst/>
-            </a:prstGeom>
-          </p:spPr>
-        </p:pic>
-        <p:pic>
-          <p:nvPicPr>
-            <p:cNvPr id="18" name="Picture 17">
-              <a:extLst>
-                <a:ext uri="{FF2B5EF4-FFF2-40B4-BE49-F238E27FC236}">
-                  <a16:creationId xmlns:a16="http://schemas.microsoft.com/office/drawing/2014/main" id="{538ECC0C-902B-2498-DFB3-98E28C11710F}"/>
-                </a:ext>
-              </a:extLst>
-            </p:cNvPr>
-            <p:cNvPicPr>
-              <a:picLocks noChangeAspect="1"/>
-            </p:cNvPicPr>
-            <p:nvPr/>
-          </p:nvPicPr>
-          <p:blipFill>
-            <a:blip r:embed="rId11"/>
-            <a:stretch>
-              <a:fillRect/>
-            </a:stretch>
-          </p:blipFill>
-          <p:spPr>
-            <a:xfrm>
-              <a:off x="6563710" y="2114349"/>
-              <a:ext cx="2031733" cy="2629301"/>
-            </a:xfrm>
-            <a:prstGeom prst="rect">
-              <a:avLst/>
-            </a:prstGeom>
-          </p:spPr>
-        </p:pic>
-        <p:pic>
-          <p:nvPicPr>
-            <p:cNvPr id="19" name="Picture 18">
-              <a:extLst>
-                <a:ext uri="{FF2B5EF4-FFF2-40B4-BE49-F238E27FC236}">
-                  <a16:creationId xmlns:a16="http://schemas.microsoft.com/office/drawing/2014/main" id="{76986E60-CDA5-9743-2FA3-D5E95078D6F9}"/>
-                </a:ext>
-              </a:extLst>
-            </p:cNvPr>
-            <p:cNvPicPr>
-              <a:picLocks noChangeAspect="1"/>
-            </p:cNvPicPr>
-            <p:nvPr/>
-          </p:nvPicPr>
-          <p:blipFill>
-            <a:blip r:embed="rId12"/>
-            <a:stretch>
-              <a:fillRect/>
-            </a:stretch>
-          </p:blipFill>
-          <p:spPr>
-            <a:xfrm>
-              <a:off x="8595443" y="2321024"/>
-              <a:ext cx="1340570" cy="1734855"/>
-            </a:xfrm>
-            <a:prstGeom prst="rect">
-              <a:avLst/>
-            </a:prstGeom>
-          </p:spPr>
-        </p:pic>
-        <p:pic>
-          <p:nvPicPr>
-            <p:cNvPr id="20" name="Picture 19">
-              <a:extLst>
-                <a:ext uri="{FF2B5EF4-FFF2-40B4-BE49-F238E27FC236}">
-                  <a16:creationId xmlns:a16="http://schemas.microsoft.com/office/drawing/2014/main" id="{CA927B4B-B452-B93C-E1F4-FC5F0A50A141}"/>
-                </a:ext>
-              </a:extLst>
-            </p:cNvPr>
-            <p:cNvPicPr>
-              <a:picLocks noChangeAspect="1"/>
-            </p:cNvPicPr>
-            <p:nvPr/>
-          </p:nvPicPr>
-          <p:blipFill>
-            <a:blip r:embed="rId13"/>
-            <a:stretch>
-              <a:fillRect/>
-            </a:stretch>
-          </p:blipFill>
-          <p:spPr>
-            <a:xfrm>
-              <a:off x="9802543" y="2257225"/>
-              <a:ext cx="1340570" cy="1734855"/>
-            </a:xfrm>
-            <a:prstGeom prst="rect">
-              <a:avLst/>
-            </a:prstGeom>
-          </p:spPr>
-        </p:pic>
-        <p:pic>
-          <p:nvPicPr>
-            <p:cNvPr id="21" name="Picture 20">
-              <a:extLst>
-                <a:ext uri="{FF2B5EF4-FFF2-40B4-BE49-F238E27FC236}">
-                  <a16:creationId xmlns:a16="http://schemas.microsoft.com/office/drawing/2014/main" id="{556FFD56-3706-EE2F-3228-C70BE7F138C0}"/>
-                </a:ext>
-              </a:extLst>
-            </p:cNvPr>
-            <p:cNvPicPr>
-              <a:picLocks noChangeAspect="1"/>
-            </p:cNvPicPr>
-            <p:nvPr/>
-          </p:nvPicPr>
-          <p:blipFill>
-            <a:blip r:embed="rId14"/>
-            <a:stretch>
-              <a:fillRect/>
-            </a:stretch>
-          </p:blipFill>
-          <p:spPr>
-            <a:xfrm>
-              <a:off x="677864" y="4668491"/>
-              <a:ext cx="1401515" cy="1813725"/>
-            </a:xfrm>
-            <a:prstGeom prst="rect">
-              <a:avLst/>
-            </a:prstGeom>
-          </p:spPr>
-        </p:pic>
-        <p:pic>
-          <p:nvPicPr>
-            <p:cNvPr id="22" name="Picture 21">
-              <a:extLst>
-                <a:ext uri="{FF2B5EF4-FFF2-40B4-BE49-F238E27FC236}">
-                  <a16:creationId xmlns:a16="http://schemas.microsoft.com/office/drawing/2014/main" id="{14F4F339-DFC0-0A3F-E352-0FB648FF8037}"/>
-                </a:ext>
-              </a:extLst>
-            </p:cNvPr>
-            <p:cNvPicPr>
-              <a:picLocks noChangeAspect="1"/>
-            </p:cNvPicPr>
-            <p:nvPr/>
-          </p:nvPicPr>
-          <p:blipFill>
-            <a:blip r:embed="rId15"/>
-            <a:stretch>
-              <a:fillRect/>
-            </a:stretch>
-          </p:blipFill>
-          <p:spPr>
-            <a:xfrm>
-              <a:off x="2159825" y="4657503"/>
-              <a:ext cx="1668477" cy="2159205"/>
-            </a:xfrm>
-            <a:prstGeom prst="rect">
-              <a:avLst/>
-            </a:prstGeom>
-          </p:spPr>
-        </p:pic>
-        <p:pic>
-          <p:nvPicPr>
-            <p:cNvPr id="23" name="Picture 22">
-              <a:extLst>
-                <a:ext uri="{FF2B5EF4-FFF2-40B4-BE49-F238E27FC236}">
-                  <a16:creationId xmlns:a16="http://schemas.microsoft.com/office/drawing/2014/main" id="{2EA7F747-004C-A364-1231-AEBFF3F2C65E}"/>
-                </a:ext>
-              </a:extLst>
-            </p:cNvPr>
-            <p:cNvPicPr>
-              <a:picLocks noChangeAspect="1"/>
-            </p:cNvPicPr>
-            <p:nvPr/>
-          </p:nvPicPr>
-          <p:blipFill>
-            <a:blip r:embed="rId16"/>
-            <a:stretch>
-              <a:fillRect/>
-            </a:stretch>
-          </p:blipFill>
-          <p:spPr>
-            <a:xfrm>
-              <a:off x="3908748" y="4657501"/>
-              <a:ext cx="1668478" cy="2159207"/>
-            </a:xfrm>
-            <a:prstGeom prst="rect">
-              <a:avLst/>
-            </a:prstGeom>
-          </p:spPr>
-        </p:pic>
-        <p:pic>
-          <p:nvPicPr>
-            <p:cNvPr id="24" name="Picture 23">
-              <a:extLst>
-                <a:ext uri="{FF2B5EF4-FFF2-40B4-BE49-F238E27FC236}">
-                  <a16:creationId xmlns:a16="http://schemas.microsoft.com/office/drawing/2014/main" id="{11B8441F-F574-2F6B-B088-10290209B1E3}"/>
-                </a:ext>
-              </a:extLst>
-            </p:cNvPr>
-            <p:cNvPicPr>
-              <a:picLocks noChangeAspect="1"/>
-            </p:cNvPicPr>
-            <p:nvPr/>
-          </p:nvPicPr>
-          <p:blipFill>
-            <a:blip r:embed="rId17"/>
-            <a:stretch>
-              <a:fillRect/>
-            </a:stretch>
-          </p:blipFill>
-          <p:spPr>
-            <a:xfrm>
-              <a:off x="5468936" y="4632590"/>
-              <a:ext cx="1719635" cy="2225410"/>
-            </a:xfrm>
-            <a:prstGeom prst="rect">
-              <a:avLst/>
-            </a:prstGeom>
-          </p:spPr>
-        </p:pic>
-        <p:pic>
-          <p:nvPicPr>
-            <p:cNvPr id="25" name="Picture 24">
-              <a:extLst>
-                <a:ext uri="{FF2B5EF4-FFF2-40B4-BE49-F238E27FC236}">
-                  <a16:creationId xmlns:a16="http://schemas.microsoft.com/office/drawing/2014/main" id="{AC8B3C10-9E9F-30C4-FB48-31FDE05FFF0A}"/>
-                </a:ext>
-              </a:extLst>
-            </p:cNvPr>
-            <p:cNvPicPr>
-              <a:picLocks noChangeAspect="1"/>
-            </p:cNvPicPr>
-            <p:nvPr/>
-          </p:nvPicPr>
-          <p:blipFill>
-            <a:blip r:embed="rId18"/>
-            <a:stretch>
-              <a:fillRect/>
-            </a:stretch>
-          </p:blipFill>
-          <p:spPr>
-            <a:xfrm>
-              <a:off x="7077204" y="4698792"/>
-              <a:ext cx="1668478" cy="2159207"/>
-            </a:xfrm>
-            <a:prstGeom prst="rect">
-              <a:avLst/>
-            </a:prstGeom>
-          </p:spPr>
-        </p:pic>
-        <p:pic>
-          <p:nvPicPr>
-            <p:cNvPr id="26" name="Picture 25">
-              <a:extLst>
-                <a:ext uri="{FF2B5EF4-FFF2-40B4-BE49-F238E27FC236}">
-                  <a16:creationId xmlns:a16="http://schemas.microsoft.com/office/drawing/2014/main" id="{A6B90D79-6008-DCA5-433C-165B6C6940D7}"/>
-                </a:ext>
-              </a:extLst>
-            </p:cNvPr>
-            <p:cNvPicPr>
-              <a:picLocks noChangeAspect="1"/>
-            </p:cNvPicPr>
-            <p:nvPr/>
-          </p:nvPicPr>
-          <p:blipFill>
-            <a:blip r:embed="rId19"/>
-            <a:stretch>
-              <a:fillRect/>
-            </a:stretch>
-          </p:blipFill>
-          <p:spPr>
-            <a:xfrm>
-              <a:off x="8633127" y="4743650"/>
-              <a:ext cx="1773271" cy="2294821"/>
-            </a:xfrm>
-            <a:prstGeom prst="rect">
-              <a:avLst/>
-            </a:prstGeom>
-          </p:spPr>
-        </p:pic>
-        <p:pic>
-          <p:nvPicPr>
-            <p:cNvPr id="27" name="Picture 26">
-              <a:extLst>
-                <a:ext uri="{FF2B5EF4-FFF2-40B4-BE49-F238E27FC236}">
-                  <a16:creationId xmlns:a16="http://schemas.microsoft.com/office/drawing/2014/main" id="{954D0454-BA68-6CD9-711D-D8276938CAAD}"/>
-                </a:ext>
-              </a:extLst>
-            </p:cNvPr>
-            <p:cNvPicPr>
-              <a:picLocks noChangeAspect="1"/>
-            </p:cNvPicPr>
-            <p:nvPr/>
-          </p:nvPicPr>
-          <p:blipFill>
-            <a:blip r:embed="rId20"/>
-            <a:stretch>
-              <a:fillRect/>
-            </a:stretch>
-          </p:blipFill>
-          <p:spPr>
-            <a:xfrm>
-              <a:off x="10472364" y="4813060"/>
-              <a:ext cx="1719636" cy="2225411"/>
-            </a:xfrm>
-            <a:prstGeom prst="rect">
-              <a:avLst/>
-            </a:prstGeom>
-          </p:spPr>
-        </p:pic>
+          </p:grpSpPr>
+          <p:pic>
+            <p:nvPicPr>
+              <p:cNvPr id="6" name="Picture 5">
+                <a:extLst>
+                  <a:ext uri="{FF2B5EF4-FFF2-40B4-BE49-F238E27FC236}">
+                    <a16:creationId xmlns:a16="http://schemas.microsoft.com/office/drawing/2014/main" id="{EE7CD735-441E-23F8-9285-DFE6AD770704}"/>
+                  </a:ext>
+                </a:extLst>
+              </p:cNvPr>
+              <p:cNvPicPr>
+                <a:picLocks noChangeAspect="1"/>
+              </p:cNvPicPr>
+              <p:nvPr/>
+            </p:nvPicPr>
+            <p:blipFill>
+              <a:blip r:embed="rId3"/>
+              <a:stretch>
+                <a:fillRect/>
+              </a:stretch>
+            </p:blipFill>
+            <p:spPr>
+              <a:xfrm>
+                <a:off x="6096000" y="0"/>
+                <a:ext cx="5305097" cy="6858000"/>
+              </a:xfrm>
+              <a:prstGeom prst="rect">
+                <a:avLst/>
+              </a:prstGeom>
+              <a:ln w="6350">
+                <a:solidFill>
+                  <a:schemeClr val="bg1">
+                    <a:lumMod val="75000"/>
+                  </a:schemeClr>
+                </a:solidFill>
+              </a:ln>
+            </p:spPr>
+          </p:pic>
+          <p:sp>
+            <p:nvSpPr>
+              <p:cNvPr id="8" name="TextBox 7">
+                <a:extLst>
+                  <a:ext uri="{FF2B5EF4-FFF2-40B4-BE49-F238E27FC236}">
+                    <a16:creationId xmlns:a16="http://schemas.microsoft.com/office/drawing/2014/main" id="{D27AB8AA-2672-2547-8687-AC2659CB9F54}"/>
+                  </a:ext>
+                </a:extLst>
+              </p:cNvPr>
+              <p:cNvSpPr txBox="1"/>
+              <p:nvPr/>
+            </p:nvSpPr>
+            <p:spPr>
+              <a:xfrm>
+                <a:off x="508000" y="0"/>
+                <a:ext cx="442750" cy="369332"/>
+              </a:xfrm>
+              <a:prstGeom prst="rect">
+                <a:avLst/>
+              </a:prstGeom>
+              <a:noFill/>
+            </p:spPr>
+            <p:txBody>
+              <a:bodyPr wrap="none" rtlCol="0">
+                <a:spAutoFit/>
+              </a:bodyPr>
+              <a:lstStyle/>
+              <a:p>
+                <a:r>
+                  <a:rPr lang="en-US" b="1" dirty="0"/>
+                  <a:t>(a)</a:t>
+                </a:r>
+              </a:p>
+            </p:txBody>
+          </p:sp>
+          <p:sp>
+            <p:nvSpPr>
+              <p:cNvPr id="10" name="TextBox 9">
+                <a:extLst>
+                  <a:ext uri="{FF2B5EF4-FFF2-40B4-BE49-F238E27FC236}">
+                    <a16:creationId xmlns:a16="http://schemas.microsoft.com/office/drawing/2014/main" id="{C60D2797-6CF5-DB1E-59F0-B0A8FF569CDD}"/>
+                  </a:ext>
+                </a:extLst>
+              </p:cNvPr>
+              <p:cNvSpPr txBox="1"/>
+              <p:nvPr/>
+            </p:nvSpPr>
+            <p:spPr>
+              <a:xfrm>
+                <a:off x="6096000" y="0"/>
+                <a:ext cx="452368" cy="369332"/>
+              </a:xfrm>
+              <a:prstGeom prst="rect">
+                <a:avLst/>
+              </a:prstGeom>
+              <a:noFill/>
+            </p:spPr>
+            <p:txBody>
+              <a:bodyPr wrap="none" rtlCol="0">
+                <a:spAutoFit/>
+              </a:bodyPr>
+              <a:lstStyle/>
+              <a:p>
+                <a:r>
+                  <a:rPr lang="en-US" b="1" dirty="0"/>
+                  <a:t>(b)</a:t>
+                </a:r>
+              </a:p>
+            </p:txBody>
+          </p:sp>
+        </p:grpSp>
       </p:grpSp>
     </p:spTree>
     <p:extLst>
       <p:ext uri="{BB962C8B-B14F-4D97-AF65-F5344CB8AC3E}">
-        <p14:creationId xmlns:p14="http://schemas.microsoft.com/office/powerpoint/2010/main" val="38979722"/>
+        <p14:creationId xmlns:p14="http://schemas.microsoft.com/office/powerpoint/2010/main" val="2729575447"/>
       </p:ext>
     </p:extLst>
   </p:cSld>
@@ -4915,947 +4589,10 @@
           <a:chExt cx="0" cy="0"/>
         </a:xfrm>
       </p:grpSpPr>
-      <p:sp>
-        <p:nvSpPr>
-          <p:cNvPr id="5" name="Rectangle 4">
-            <a:extLst>
-              <a:ext uri="{FF2B5EF4-FFF2-40B4-BE49-F238E27FC236}">
-                <a16:creationId xmlns:a16="http://schemas.microsoft.com/office/drawing/2014/main" id="{6C76EA5E-C880-95A6-DE40-594B5EE347C0}"/>
-              </a:ext>
-            </a:extLst>
-          </p:cNvPr>
-          <p:cNvSpPr/>
-          <p:nvPr/>
-        </p:nvSpPr>
-        <p:spPr>
-          <a:xfrm>
-            <a:off x="254000" y="177800"/>
-            <a:ext cx="9469120" cy="6502400"/>
-          </a:xfrm>
-          <a:prstGeom prst="rect">
-            <a:avLst/>
-          </a:prstGeom>
-          <a:solidFill>
-            <a:schemeClr val="tx1">
-              <a:lumMod val="50000"/>
-              <a:lumOff val="50000"/>
-            </a:schemeClr>
-          </a:solidFill>
-        </p:spPr>
-        <p:style>
-          <a:lnRef idx="2">
-            <a:schemeClr val="accent1">
-              <a:shade val="50000"/>
-            </a:schemeClr>
-          </a:lnRef>
-          <a:fillRef idx="1">
-            <a:schemeClr val="accent1"/>
-          </a:fillRef>
-          <a:effectRef idx="0">
-            <a:schemeClr val="accent1"/>
-          </a:effectRef>
-          <a:fontRef idx="minor">
-            <a:schemeClr val="lt1"/>
-          </a:fontRef>
-        </p:style>
-        <p:txBody>
-          <a:bodyPr rtlCol="0" anchor="ctr"/>
-          <a:lstStyle/>
-          <a:p>
-            <a:pPr algn="ctr"/>
-            <a:endParaRPr lang="en-US"/>
-          </a:p>
-        </p:txBody>
-      </p:sp>
-      <p:sp>
-        <p:nvSpPr>
-          <p:cNvPr id="6" name="Rounded Rectangle 5">
-            <a:extLst>
-              <a:ext uri="{FF2B5EF4-FFF2-40B4-BE49-F238E27FC236}">
-                <a16:creationId xmlns:a16="http://schemas.microsoft.com/office/drawing/2014/main" id="{7D83959D-6FA7-9703-5E97-B3057A60F7F6}"/>
-              </a:ext>
-            </a:extLst>
-          </p:cNvPr>
-          <p:cNvSpPr/>
-          <p:nvPr/>
-        </p:nvSpPr>
-        <p:spPr>
-          <a:xfrm>
-            <a:off x="1534160" y="843280"/>
-            <a:ext cx="3312160" cy="2458720"/>
-          </a:xfrm>
-          <a:prstGeom prst="roundRect">
-            <a:avLst/>
-          </a:prstGeom>
-          <a:solidFill>
-            <a:schemeClr val="tx1"/>
-          </a:solidFill>
-          <a:ln>
-            <a:noFill/>
-          </a:ln>
-        </p:spPr>
-        <p:style>
-          <a:lnRef idx="2">
-            <a:schemeClr val="accent1">
-              <a:shade val="50000"/>
-            </a:schemeClr>
-          </a:lnRef>
-          <a:fillRef idx="1">
-            <a:schemeClr val="accent1"/>
-          </a:fillRef>
-          <a:effectRef idx="0">
-            <a:schemeClr val="accent1"/>
-          </a:effectRef>
-          <a:fontRef idx="minor">
-            <a:schemeClr val="lt1"/>
-          </a:fontRef>
-        </p:style>
-        <p:txBody>
-          <a:bodyPr rtlCol="0" anchor="ctr"/>
-          <a:lstStyle/>
-          <a:p>
-            <a:pPr algn="ctr"/>
-            <a:r>
-              <a:rPr lang="en-US" sz="5400" dirty="0"/>
-              <a:t>1</a:t>
-            </a:r>
-          </a:p>
-        </p:txBody>
-      </p:sp>
-      <p:sp>
-        <p:nvSpPr>
-          <p:cNvPr id="7" name="Rounded Rectangle 6">
-            <a:extLst>
-              <a:ext uri="{FF2B5EF4-FFF2-40B4-BE49-F238E27FC236}">
-                <a16:creationId xmlns:a16="http://schemas.microsoft.com/office/drawing/2014/main" id="{CED5350B-38A5-CECA-0CC3-F3504B7BF56E}"/>
-              </a:ext>
-            </a:extLst>
-          </p:cNvPr>
-          <p:cNvSpPr/>
-          <p:nvPr/>
-        </p:nvSpPr>
-        <p:spPr>
-          <a:xfrm>
-            <a:off x="5354320" y="3642360"/>
-            <a:ext cx="3312160" cy="2458720"/>
-          </a:xfrm>
-          <a:prstGeom prst="roundRect">
-            <a:avLst/>
-          </a:prstGeom>
-          <a:solidFill>
-            <a:schemeClr val="tx1"/>
-          </a:solidFill>
-          <a:ln>
-            <a:noFill/>
-          </a:ln>
-        </p:spPr>
-        <p:style>
-          <a:lnRef idx="2">
-            <a:schemeClr val="accent1">
-              <a:shade val="50000"/>
-            </a:schemeClr>
-          </a:lnRef>
-          <a:fillRef idx="1">
-            <a:schemeClr val="accent1"/>
-          </a:fillRef>
-          <a:effectRef idx="0">
-            <a:schemeClr val="accent1"/>
-          </a:effectRef>
-          <a:fontRef idx="minor">
-            <a:schemeClr val="lt1"/>
-          </a:fontRef>
-        </p:style>
-        <p:txBody>
-          <a:bodyPr rtlCol="0" anchor="ctr"/>
-          <a:lstStyle/>
-          <a:p>
-            <a:pPr algn="ctr"/>
-            <a:r>
-              <a:rPr lang="en-US" sz="5400" dirty="0"/>
-              <a:t>4</a:t>
-            </a:r>
-          </a:p>
-        </p:txBody>
-      </p:sp>
-      <p:sp>
-        <p:nvSpPr>
-          <p:cNvPr id="8" name="Rounded Rectangle 7">
-            <a:extLst>
-              <a:ext uri="{FF2B5EF4-FFF2-40B4-BE49-F238E27FC236}">
-                <a16:creationId xmlns:a16="http://schemas.microsoft.com/office/drawing/2014/main" id="{13E1F024-7A88-7716-E8C7-60A335F020D6}"/>
-              </a:ext>
-            </a:extLst>
-          </p:cNvPr>
-          <p:cNvSpPr/>
-          <p:nvPr/>
-        </p:nvSpPr>
-        <p:spPr>
-          <a:xfrm>
-            <a:off x="1534160" y="3642360"/>
-            <a:ext cx="3312160" cy="2458720"/>
-          </a:xfrm>
-          <a:prstGeom prst="roundRect">
-            <a:avLst/>
-          </a:prstGeom>
-          <a:solidFill>
-            <a:schemeClr val="tx1"/>
-          </a:solidFill>
-          <a:ln>
-            <a:noFill/>
-          </a:ln>
-        </p:spPr>
-        <p:style>
-          <a:lnRef idx="2">
-            <a:schemeClr val="accent1">
-              <a:shade val="50000"/>
-            </a:schemeClr>
-          </a:lnRef>
-          <a:fillRef idx="1">
-            <a:schemeClr val="accent1"/>
-          </a:fillRef>
-          <a:effectRef idx="0">
-            <a:schemeClr val="accent1"/>
-          </a:effectRef>
-          <a:fontRef idx="minor">
-            <a:schemeClr val="lt1"/>
-          </a:fontRef>
-        </p:style>
-        <p:txBody>
-          <a:bodyPr rtlCol="0" anchor="ctr"/>
-          <a:lstStyle/>
-          <a:p>
-            <a:pPr algn="ctr"/>
-            <a:r>
-              <a:rPr lang="en-US" sz="5400" dirty="0"/>
-              <a:t>3</a:t>
-            </a:r>
-          </a:p>
-        </p:txBody>
-      </p:sp>
-      <p:sp>
-        <p:nvSpPr>
-          <p:cNvPr id="9" name="Rounded Rectangle 8">
-            <a:extLst>
-              <a:ext uri="{FF2B5EF4-FFF2-40B4-BE49-F238E27FC236}">
-                <a16:creationId xmlns:a16="http://schemas.microsoft.com/office/drawing/2014/main" id="{37700E30-5CE3-69DE-3067-04EFF9D4FA6A}"/>
-              </a:ext>
-            </a:extLst>
-          </p:cNvPr>
-          <p:cNvSpPr/>
-          <p:nvPr/>
-        </p:nvSpPr>
-        <p:spPr>
-          <a:xfrm>
-            <a:off x="5283200" y="843280"/>
-            <a:ext cx="3312160" cy="2458720"/>
-          </a:xfrm>
-          <a:prstGeom prst="roundRect">
-            <a:avLst/>
-          </a:prstGeom>
-          <a:solidFill>
-            <a:schemeClr val="tx1"/>
-          </a:solidFill>
-          <a:ln>
-            <a:noFill/>
-          </a:ln>
-        </p:spPr>
-        <p:style>
-          <a:lnRef idx="2">
-            <a:schemeClr val="accent1">
-              <a:shade val="50000"/>
-            </a:schemeClr>
-          </a:lnRef>
-          <a:fillRef idx="1">
-            <a:schemeClr val="accent1"/>
-          </a:fillRef>
-          <a:effectRef idx="0">
-            <a:schemeClr val="accent1"/>
-          </a:effectRef>
-          <a:fontRef idx="minor">
-            <a:schemeClr val="lt1"/>
-          </a:fontRef>
-        </p:style>
-        <p:txBody>
-          <a:bodyPr rtlCol="0" anchor="ctr"/>
-          <a:lstStyle/>
-          <a:p>
-            <a:pPr algn="ctr"/>
-            <a:r>
-              <a:rPr lang="en-US" sz="5400" dirty="0"/>
-              <a:t>2</a:t>
-            </a:r>
-          </a:p>
-        </p:txBody>
-      </p:sp>
-      <p:sp>
-        <p:nvSpPr>
-          <p:cNvPr id="10" name="Oval 9">
-            <a:extLst>
-              <a:ext uri="{FF2B5EF4-FFF2-40B4-BE49-F238E27FC236}">
-                <a16:creationId xmlns:a16="http://schemas.microsoft.com/office/drawing/2014/main" id="{01FFDB31-1DFD-DFE3-B306-64FC47800BC0}"/>
-              </a:ext>
-            </a:extLst>
-          </p:cNvPr>
-          <p:cNvSpPr/>
-          <p:nvPr/>
-        </p:nvSpPr>
-        <p:spPr>
-          <a:xfrm>
-            <a:off x="701040" y="360680"/>
-            <a:ext cx="162560" cy="172720"/>
-          </a:xfrm>
-          <a:prstGeom prst="ellipse">
-            <a:avLst/>
-          </a:prstGeom>
-          <a:solidFill>
-            <a:srgbClr val="FFFF00"/>
-          </a:solidFill>
-          <a:ln>
-            <a:noFill/>
-          </a:ln>
-        </p:spPr>
-        <p:style>
-          <a:lnRef idx="2">
-            <a:schemeClr val="accent1">
-              <a:shade val="50000"/>
-            </a:schemeClr>
-          </a:lnRef>
-          <a:fillRef idx="1">
-            <a:schemeClr val="accent1"/>
-          </a:fillRef>
-          <a:effectRef idx="0">
-            <a:schemeClr val="accent1"/>
-          </a:effectRef>
-          <a:fontRef idx="minor">
-            <a:schemeClr val="lt1"/>
-          </a:fontRef>
-        </p:style>
-        <p:txBody>
-          <a:bodyPr rtlCol="0" anchor="ctr"/>
-          <a:lstStyle/>
-          <a:p>
-            <a:pPr algn="ctr"/>
-            <a:endParaRPr lang="en-US"/>
-          </a:p>
-        </p:txBody>
-      </p:sp>
-      <p:sp>
-        <p:nvSpPr>
-          <p:cNvPr id="11" name="Oval 10">
-            <a:extLst>
-              <a:ext uri="{FF2B5EF4-FFF2-40B4-BE49-F238E27FC236}">
-                <a16:creationId xmlns:a16="http://schemas.microsoft.com/office/drawing/2014/main" id="{5BFFC6A4-4E42-B564-C870-B76427E70EE6}"/>
-              </a:ext>
-            </a:extLst>
-          </p:cNvPr>
-          <p:cNvSpPr/>
-          <p:nvPr/>
-        </p:nvSpPr>
-        <p:spPr>
-          <a:xfrm>
-            <a:off x="619760" y="6192520"/>
-            <a:ext cx="162560" cy="172720"/>
-          </a:xfrm>
-          <a:prstGeom prst="ellipse">
-            <a:avLst/>
-          </a:prstGeom>
-          <a:solidFill>
-            <a:srgbClr val="FFFF00"/>
-          </a:solidFill>
-          <a:ln>
-            <a:noFill/>
-          </a:ln>
-        </p:spPr>
-        <p:style>
-          <a:lnRef idx="2">
-            <a:schemeClr val="accent1">
-              <a:shade val="50000"/>
-            </a:schemeClr>
-          </a:lnRef>
-          <a:fillRef idx="1">
-            <a:schemeClr val="accent1"/>
-          </a:fillRef>
-          <a:effectRef idx="0">
-            <a:schemeClr val="accent1"/>
-          </a:effectRef>
-          <a:fontRef idx="minor">
-            <a:schemeClr val="lt1"/>
-          </a:fontRef>
-        </p:style>
-        <p:txBody>
-          <a:bodyPr rtlCol="0" anchor="ctr"/>
-          <a:lstStyle/>
-          <a:p>
-            <a:pPr algn="ctr"/>
-            <a:endParaRPr lang="en-US"/>
-          </a:p>
-        </p:txBody>
-      </p:sp>
-      <p:sp>
-        <p:nvSpPr>
-          <p:cNvPr id="29" name="Oval 28">
-            <a:extLst>
-              <a:ext uri="{FF2B5EF4-FFF2-40B4-BE49-F238E27FC236}">
-                <a16:creationId xmlns:a16="http://schemas.microsoft.com/office/drawing/2014/main" id="{8A33B6E9-A327-6060-63C6-C44DD8CFB4BF}"/>
-              </a:ext>
-            </a:extLst>
-          </p:cNvPr>
-          <p:cNvSpPr/>
-          <p:nvPr/>
-        </p:nvSpPr>
-        <p:spPr>
-          <a:xfrm>
-            <a:off x="9103360" y="360680"/>
-            <a:ext cx="162560" cy="172720"/>
-          </a:xfrm>
-          <a:prstGeom prst="ellipse">
-            <a:avLst/>
-          </a:prstGeom>
-          <a:solidFill>
-            <a:srgbClr val="FFFF00"/>
-          </a:solidFill>
-          <a:ln>
-            <a:noFill/>
-          </a:ln>
-        </p:spPr>
-        <p:style>
-          <a:lnRef idx="2">
-            <a:schemeClr val="accent1">
-              <a:shade val="50000"/>
-            </a:schemeClr>
-          </a:lnRef>
-          <a:fillRef idx="1">
-            <a:schemeClr val="accent1"/>
-          </a:fillRef>
-          <a:effectRef idx="0">
-            <a:schemeClr val="accent1"/>
-          </a:effectRef>
-          <a:fontRef idx="minor">
-            <a:schemeClr val="lt1"/>
-          </a:fontRef>
-        </p:style>
-        <p:txBody>
-          <a:bodyPr rtlCol="0" anchor="ctr"/>
-          <a:lstStyle/>
-          <a:p>
-            <a:pPr algn="ctr"/>
-            <a:endParaRPr lang="en-US"/>
-          </a:p>
-        </p:txBody>
-      </p:sp>
-      <p:sp>
-        <p:nvSpPr>
-          <p:cNvPr id="30" name="Oval 29">
-            <a:extLst>
-              <a:ext uri="{FF2B5EF4-FFF2-40B4-BE49-F238E27FC236}">
-                <a16:creationId xmlns:a16="http://schemas.microsoft.com/office/drawing/2014/main" id="{165896A5-5F5D-A766-39F5-28D0BA016BE7}"/>
-              </a:ext>
-            </a:extLst>
-          </p:cNvPr>
-          <p:cNvSpPr/>
-          <p:nvPr/>
-        </p:nvSpPr>
-        <p:spPr>
-          <a:xfrm>
-            <a:off x="9103360" y="6192520"/>
-            <a:ext cx="162560" cy="172720"/>
-          </a:xfrm>
-          <a:prstGeom prst="ellipse">
-            <a:avLst/>
-          </a:prstGeom>
-          <a:solidFill>
-            <a:srgbClr val="FFFF00"/>
-          </a:solidFill>
-          <a:ln>
-            <a:noFill/>
-          </a:ln>
-        </p:spPr>
-        <p:style>
-          <a:lnRef idx="2">
-            <a:schemeClr val="accent1">
-              <a:shade val="50000"/>
-            </a:schemeClr>
-          </a:lnRef>
-          <a:fillRef idx="1">
-            <a:schemeClr val="accent1"/>
-          </a:fillRef>
-          <a:effectRef idx="0">
-            <a:schemeClr val="accent1"/>
-          </a:effectRef>
-          <a:fontRef idx="minor">
-            <a:schemeClr val="lt1"/>
-          </a:fontRef>
-        </p:style>
-        <p:txBody>
-          <a:bodyPr rtlCol="0" anchor="ctr"/>
-          <a:lstStyle/>
-          <a:p>
-            <a:pPr algn="ctr"/>
-            <a:endParaRPr lang="en-US"/>
-          </a:p>
-        </p:txBody>
-      </p:sp>
-      <p:sp>
-        <p:nvSpPr>
-          <p:cNvPr id="34" name="TextBox 33">
-            <a:extLst>
-              <a:ext uri="{FF2B5EF4-FFF2-40B4-BE49-F238E27FC236}">
-                <a16:creationId xmlns:a16="http://schemas.microsoft.com/office/drawing/2014/main" id="{AD3BBB79-D32A-B773-A6FE-F0AAAEAD9B24}"/>
-              </a:ext>
-            </a:extLst>
-          </p:cNvPr>
-          <p:cNvSpPr txBox="1"/>
-          <p:nvPr/>
-        </p:nvSpPr>
-        <p:spPr>
-          <a:xfrm>
-            <a:off x="10011047" y="177800"/>
-            <a:ext cx="1926953" cy="276999"/>
-          </a:xfrm>
-          <a:prstGeom prst="rect">
-            <a:avLst/>
-          </a:prstGeom>
-          <a:noFill/>
-        </p:spPr>
-        <p:txBody>
-          <a:bodyPr wrap="square" rtlCol="0">
-            <a:spAutoFit/>
-          </a:bodyPr>
-          <a:lstStyle/>
-          <a:p>
-            <a:r>
-              <a:rPr lang="en-US" sz="1200" dirty="0"/>
-              <a:t>Markers at known distance</a:t>
-            </a:r>
-          </a:p>
-        </p:txBody>
-      </p:sp>
-      <p:sp>
-        <p:nvSpPr>
-          <p:cNvPr id="35" name="TextBox 34">
-            <a:extLst>
-              <a:ext uri="{FF2B5EF4-FFF2-40B4-BE49-F238E27FC236}">
-                <a16:creationId xmlns:a16="http://schemas.microsoft.com/office/drawing/2014/main" id="{ADDEC564-B08A-D554-2EF8-5F2015E537B7}"/>
-              </a:ext>
-            </a:extLst>
-          </p:cNvPr>
-          <p:cNvSpPr txBox="1"/>
-          <p:nvPr/>
-        </p:nvSpPr>
-        <p:spPr>
-          <a:xfrm>
-            <a:off x="10011047" y="982465"/>
-            <a:ext cx="2121717" cy="461665"/>
-          </a:xfrm>
-          <a:prstGeom prst="rect">
-            <a:avLst/>
-          </a:prstGeom>
-          <a:noFill/>
-        </p:spPr>
-        <p:txBody>
-          <a:bodyPr wrap="square" rtlCol="0">
-            <a:spAutoFit/>
-          </a:bodyPr>
-          <a:lstStyle/>
-          <a:p>
-            <a:r>
-              <a:rPr lang="en-US" sz="1200" dirty="0"/>
-              <a:t>Black background of single cloth for jasmine flowers</a:t>
-            </a:r>
-          </a:p>
-        </p:txBody>
-      </p:sp>
-      <p:sp>
-        <p:nvSpPr>
-          <p:cNvPr id="36" name="TextBox 35">
-            <a:extLst>
-              <a:ext uri="{FF2B5EF4-FFF2-40B4-BE49-F238E27FC236}">
-                <a16:creationId xmlns:a16="http://schemas.microsoft.com/office/drawing/2014/main" id="{A10F2BF9-DD54-E1B0-40F4-A2442E174D1D}"/>
-              </a:ext>
-            </a:extLst>
-          </p:cNvPr>
-          <p:cNvSpPr txBox="1"/>
-          <p:nvPr/>
-        </p:nvSpPr>
-        <p:spPr>
-          <a:xfrm>
-            <a:off x="10011047" y="2146861"/>
-            <a:ext cx="1926953" cy="830997"/>
-          </a:xfrm>
-          <a:prstGeom prst="rect">
-            <a:avLst/>
-          </a:prstGeom>
-          <a:noFill/>
-        </p:spPr>
-        <p:txBody>
-          <a:bodyPr wrap="square" rtlCol="0">
-            <a:spAutoFit/>
-          </a:bodyPr>
-          <a:lstStyle/>
-          <a:p>
-            <a:r>
-              <a:rPr lang="en-US" sz="1200" dirty="0"/>
-              <a:t>Representation of our quadrants of samples on the same black cloth with gaps separating them</a:t>
-            </a:r>
-          </a:p>
-        </p:txBody>
-      </p:sp>
-      <p:sp>
-        <p:nvSpPr>
-          <p:cNvPr id="37" name="TextBox 36">
-            <a:extLst>
-              <a:ext uri="{FF2B5EF4-FFF2-40B4-BE49-F238E27FC236}">
-                <a16:creationId xmlns:a16="http://schemas.microsoft.com/office/drawing/2014/main" id="{6C95016C-BEC7-0E76-499D-B384E63F3740}"/>
-              </a:ext>
-            </a:extLst>
-          </p:cNvPr>
-          <p:cNvSpPr txBox="1"/>
-          <p:nvPr/>
-        </p:nvSpPr>
-        <p:spPr>
-          <a:xfrm>
-            <a:off x="9972901" y="3448934"/>
-            <a:ext cx="1926953" cy="1200329"/>
-          </a:xfrm>
-          <a:prstGeom prst="rect">
-            <a:avLst/>
-          </a:prstGeom>
-          <a:noFill/>
-        </p:spPr>
-        <p:txBody>
-          <a:bodyPr wrap="square" rtlCol="0">
-            <a:spAutoFit/>
-          </a:bodyPr>
-          <a:lstStyle/>
-          <a:p>
-            <a:r>
-              <a:rPr lang="en-US" sz="1200" dirty="0"/>
-              <a:t>Flowers arranged in random orientations but not touch after bloom. Flowers may move a little but not touch, if moved a lot can be put back.</a:t>
-            </a:r>
-          </a:p>
-        </p:txBody>
-      </p:sp>
-      <p:sp>
-        <p:nvSpPr>
-          <p:cNvPr id="39" name="TextBox 38">
-            <a:extLst>
-              <a:ext uri="{FF2B5EF4-FFF2-40B4-BE49-F238E27FC236}">
-                <a16:creationId xmlns:a16="http://schemas.microsoft.com/office/drawing/2014/main" id="{51B94619-14A8-8FBC-A8A3-9281A53814D1}"/>
-              </a:ext>
-            </a:extLst>
-          </p:cNvPr>
-          <p:cNvSpPr txBox="1"/>
-          <p:nvPr/>
-        </p:nvSpPr>
-        <p:spPr>
-          <a:xfrm>
-            <a:off x="9723121" y="4972040"/>
-            <a:ext cx="2468880" cy="1754326"/>
-          </a:xfrm>
-          <a:prstGeom prst="rect">
-            <a:avLst/>
-          </a:prstGeom>
-          <a:noFill/>
-        </p:spPr>
-        <p:txBody>
-          <a:bodyPr wrap="square" rtlCol="0">
-            <a:spAutoFit/>
-          </a:bodyPr>
-          <a:lstStyle/>
-          <a:p>
-            <a:pPr marL="171450" indent="-171450">
-              <a:buFont typeface="Arial" panose="020B0604020202020204" pitchFamily="34" charset="0"/>
-              <a:buChar char="•"/>
-            </a:pPr>
-            <a:r>
-              <a:rPr lang="en-US" sz="1200" dirty="0">
-                <a:solidFill>
-                  <a:srgbClr val="FF0000"/>
-                </a:solidFill>
-              </a:rPr>
-              <a:t>Uniform lighting conditions should be maintained</a:t>
-            </a:r>
-          </a:p>
-          <a:p>
-            <a:pPr marL="171450" indent="-171450">
-              <a:buFont typeface="Arial" panose="020B0604020202020204" pitchFamily="34" charset="0"/>
-              <a:buChar char="•"/>
-            </a:pPr>
-            <a:r>
-              <a:rPr lang="en-US" sz="1200" dirty="0">
-                <a:solidFill>
-                  <a:srgbClr val="FF0000"/>
-                </a:solidFill>
-              </a:rPr>
-              <a:t>Camera should be above the overall center</a:t>
-            </a:r>
-          </a:p>
-          <a:p>
-            <a:pPr marL="171450" indent="-171450">
-              <a:buFont typeface="Arial" panose="020B0604020202020204" pitchFamily="34" charset="0"/>
-              <a:buChar char="•"/>
-            </a:pPr>
-            <a:r>
-              <a:rPr lang="en-US" sz="1200" dirty="0">
-                <a:solidFill>
-                  <a:srgbClr val="FF0000"/>
-                </a:solidFill>
-              </a:rPr>
-              <a:t>Enough images should be collected to capture gradual changes in color and shape</a:t>
-            </a:r>
-          </a:p>
-          <a:p>
-            <a:pPr marL="171450" indent="-171450">
-              <a:buFont typeface="Arial" panose="020B0604020202020204" pitchFamily="34" charset="0"/>
-              <a:buChar char="•"/>
-            </a:pPr>
-            <a:r>
-              <a:rPr lang="en-US" sz="1200">
-                <a:solidFill>
-                  <a:srgbClr val="FF0000"/>
-                </a:solidFill>
-              </a:rPr>
-              <a:t>High</a:t>
-            </a:r>
-            <a:r>
-              <a:rPr lang="en-US" sz="1200" dirty="0">
-                <a:solidFill>
-                  <a:srgbClr val="FF0000"/>
-                </a:solidFill>
-              </a:rPr>
-              <a:t>-</a:t>
-            </a:r>
-            <a:r>
-              <a:rPr lang="en-US" sz="1200">
-                <a:solidFill>
-                  <a:srgbClr val="FF0000"/>
-                </a:solidFill>
-              </a:rPr>
-              <a:t>resolution </a:t>
-            </a:r>
-            <a:r>
-              <a:rPr lang="en-US" sz="1200" dirty="0">
-                <a:solidFill>
-                  <a:srgbClr val="FF0000"/>
-                </a:solidFill>
-              </a:rPr>
-              <a:t>images required</a:t>
-            </a:r>
-          </a:p>
-          <a:p>
-            <a:pPr marL="171450" indent="-171450">
-              <a:buFont typeface="Arial" panose="020B0604020202020204" pitchFamily="34" charset="0"/>
-              <a:buChar char="•"/>
-            </a:pPr>
-            <a:endParaRPr lang="en-US" sz="1200" dirty="0">
-              <a:solidFill>
-                <a:srgbClr val="FF0000"/>
-              </a:solidFill>
-            </a:endParaRPr>
-          </a:p>
-        </p:txBody>
-      </p:sp>
-      <p:cxnSp>
-        <p:nvCxnSpPr>
-          <p:cNvPr id="43" name="Straight Arrow Connector 42">
-            <a:extLst>
-              <a:ext uri="{FF2B5EF4-FFF2-40B4-BE49-F238E27FC236}">
-                <a16:creationId xmlns:a16="http://schemas.microsoft.com/office/drawing/2014/main" id="{3B1B5F35-BFE1-16B3-AF66-3FBC4E5252B7}"/>
-              </a:ext>
-            </a:extLst>
-          </p:cNvPr>
-          <p:cNvCxnSpPr>
-            <a:cxnSpLocks/>
-            <a:stCxn id="34" idx="1"/>
-          </p:cNvCxnSpPr>
-          <p:nvPr/>
-        </p:nvCxnSpPr>
-        <p:spPr>
-          <a:xfrm flipH="1">
-            <a:off x="9265920" y="316300"/>
-            <a:ext cx="745127" cy="130740"/>
-          </a:xfrm>
-          <a:prstGeom prst="straightConnector1">
-            <a:avLst/>
-          </a:prstGeom>
-          <a:ln w="25400">
-            <a:solidFill>
-              <a:schemeClr val="accent1">
-                <a:lumMod val="40000"/>
-                <a:lumOff val="60000"/>
-              </a:schemeClr>
-            </a:solidFill>
-            <a:headEnd w="lg" len="lg"/>
-            <a:tailEnd type="triangle" w="lg" len="lg"/>
-          </a:ln>
-        </p:spPr>
-        <p:style>
-          <a:lnRef idx="1">
-            <a:schemeClr val="accent1"/>
-          </a:lnRef>
-          <a:fillRef idx="0">
-            <a:schemeClr val="accent1"/>
-          </a:fillRef>
-          <a:effectRef idx="0">
-            <a:schemeClr val="accent1"/>
-          </a:effectRef>
-          <a:fontRef idx="minor">
-            <a:schemeClr val="tx1"/>
-          </a:fontRef>
-        </p:style>
-      </p:cxnSp>
-      <p:cxnSp>
-        <p:nvCxnSpPr>
-          <p:cNvPr id="47" name="Straight Arrow Connector 46">
-            <a:extLst>
-              <a:ext uri="{FF2B5EF4-FFF2-40B4-BE49-F238E27FC236}">
-                <a16:creationId xmlns:a16="http://schemas.microsoft.com/office/drawing/2014/main" id="{B55D368C-BDC3-7D77-2E70-4AD240E8935D}"/>
-              </a:ext>
-            </a:extLst>
-          </p:cNvPr>
-          <p:cNvCxnSpPr>
-            <a:cxnSpLocks/>
-            <a:stCxn id="37" idx="1"/>
-          </p:cNvCxnSpPr>
-          <p:nvPr/>
-        </p:nvCxnSpPr>
-        <p:spPr>
-          <a:xfrm flipH="1">
-            <a:off x="8171133" y="4049099"/>
-            <a:ext cx="1801768" cy="235911"/>
-          </a:xfrm>
-          <a:prstGeom prst="straightConnector1">
-            <a:avLst/>
-          </a:prstGeom>
-          <a:ln w="25400">
-            <a:solidFill>
-              <a:schemeClr val="accent1">
-                <a:lumMod val="40000"/>
-                <a:lumOff val="60000"/>
-              </a:schemeClr>
-            </a:solidFill>
-            <a:headEnd w="lg" len="lg"/>
-            <a:tailEnd type="triangle" w="lg" len="lg"/>
-          </a:ln>
-        </p:spPr>
-        <p:style>
-          <a:lnRef idx="1">
-            <a:schemeClr val="accent1"/>
-          </a:lnRef>
-          <a:fillRef idx="0">
-            <a:schemeClr val="accent1"/>
-          </a:fillRef>
-          <a:effectRef idx="0">
-            <a:schemeClr val="accent1"/>
-          </a:effectRef>
-          <a:fontRef idx="minor">
-            <a:schemeClr val="tx1"/>
-          </a:fontRef>
-        </p:style>
-      </p:cxnSp>
-      <p:cxnSp>
-        <p:nvCxnSpPr>
-          <p:cNvPr id="48" name="Straight Arrow Connector 47">
-            <a:extLst>
-              <a:ext uri="{FF2B5EF4-FFF2-40B4-BE49-F238E27FC236}">
-                <a16:creationId xmlns:a16="http://schemas.microsoft.com/office/drawing/2014/main" id="{ECD8CC97-47D4-B764-6CDA-02395460769F}"/>
-              </a:ext>
-            </a:extLst>
-          </p:cNvPr>
-          <p:cNvCxnSpPr>
-            <a:cxnSpLocks/>
-            <a:stCxn id="36" idx="1"/>
-            <a:endCxn id="9" idx="3"/>
-          </p:cNvCxnSpPr>
-          <p:nvPr/>
-        </p:nvCxnSpPr>
-        <p:spPr>
-          <a:xfrm flipH="1" flipV="1">
-            <a:off x="8595360" y="2072640"/>
-            <a:ext cx="1415687" cy="489720"/>
-          </a:xfrm>
-          <a:prstGeom prst="straightConnector1">
-            <a:avLst/>
-          </a:prstGeom>
-          <a:ln w="25400">
-            <a:solidFill>
-              <a:schemeClr val="accent1">
-                <a:lumMod val="40000"/>
-                <a:lumOff val="60000"/>
-              </a:schemeClr>
-            </a:solidFill>
-            <a:headEnd w="lg" len="lg"/>
-            <a:tailEnd type="triangle" w="lg" len="lg"/>
-          </a:ln>
-        </p:spPr>
-        <p:style>
-          <a:lnRef idx="1">
-            <a:schemeClr val="accent1"/>
-          </a:lnRef>
-          <a:fillRef idx="0">
-            <a:schemeClr val="accent1"/>
-          </a:fillRef>
-          <a:effectRef idx="0">
-            <a:schemeClr val="accent1"/>
-          </a:effectRef>
-          <a:fontRef idx="minor">
-            <a:schemeClr val="tx1"/>
-          </a:fontRef>
-        </p:style>
-      </p:cxnSp>
-      <p:cxnSp>
-        <p:nvCxnSpPr>
-          <p:cNvPr id="49" name="Straight Arrow Connector 48">
-            <a:extLst>
-              <a:ext uri="{FF2B5EF4-FFF2-40B4-BE49-F238E27FC236}">
-                <a16:creationId xmlns:a16="http://schemas.microsoft.com/office/drawing/2014/main" id="{3AC62092-6BC9-0299-E8D2-F18A558C067F}"/>
-              </a:ext>
-            </a:extLst>
-          </p:cNvPr>
-          <p:cNvCxnSpPr>
-            <a:cxnSpLocks/>
-            <a:stCxn id="35" idx="1"/>
-          </p:cNvCxnSpPr>
-          <p:nvPr/>
-        </p:nvCxnSpPr>
-        <p:spPr>
-          <a:xfrm flipH="1">
-            <a:off x="9723120" y="1213298"/>
-            <a:ext cx="287927" cy="524295"/>
-          </a:xfrm>
-          <a:prstGeom prst="straightConnector1">
-            <a:avLst/>
-          </a:prstGeom>
-          <a:ln w="25400">
-            <a:solidFill>
-              <a:schemeClr val="accent1">
-                <a:lumMod val="40000"/>
-                <a:lumOff val="60000"/>
-              </a:schemeClr>
-            </a:solidFill>
-            <a:headEnd w="lg" len="lg"/>
-            <a:tailEnd type="triangle" w="lg" len="lg"/>
-          </a:ln>
-        </p:spPr>
-        <p:style>
-          <a:lnRef idx="1">
-            <a:schemeClr val="accent1"/>
-          </a:lnRef>
-          <a:fillRef idx="0">
-            <a:schemeClr val="accent1"/>
-          </a:fillRef>
-          <a:effectRef idx="0">
-            <a:schemeClr val="accent1"/>
-          </a:effectRef>
-          <a:fontRef idx="minor">
-            <a:schemeClr val="tx1"/>
-          </a:fontRef>
-        </p:style>
-      </p:cxnSp>
     </p:spTree>
     <p:extLst>
       <p:ext uri="{BB962C8B-B14F-4D97-AF65-F5344CB8AC3E}">
-        <p14:creationId xmlns:p14="http://schemas.microsoft.com/office/powerpoint/2010/main" val="2794256848"/>
+        <p14:creationId xmlns:p14="http://schemas.microsoft.com/office/powerpoint/2010/main" val="1477090825"/>
       </p:ext>
     </p:extLst>
   </p:cSld>

--- a/figures/figs.pptx
+++ b/figures/figs.pptx
@@ -7,8 +7,9 @@
   <p:sldIdLst>
     <p:sldId id="256" r:id="rId2"/>
     <p:sldId id="262" r:id="rId3"/>
-    <p:sldId id="260" r:id="rId4"/>
-    <p:sldId id="261" r:id="rId5"/>
+    <p:sldId id="263" r:id="rId4"/>
+    <p:sldId id="260" r:id="rId5"/>
+    <p:sldId id="261" r:id="rId6"/>
   </p:sldIdLst>
   <p:sldSz cx="12192000" cy="6858000"/>
   <p:notesSz cx="6858000" cy="9144000"/>
@@ -262,7 +263,7 @@
           <a:p>
             <a:fld id="{E1D21841-37EE-4C4F-8C0E-B2B5846679B2}" type="datetimeFigureOut">
               <a:rPr lang="en-US" smtClean="0"/>
-              <a:t>8/27/23</a:t>
+              <a:t>9/10/23</a:t>
             </a:fld>
             <a:endParaRPr lang="en-US"/>
           </a:p>
@@ -460,7 +461,7 @@
           <a:p>
             <a:fld id="{E1D21841-37EE-4C4F-8C0E-B2B5846679B2}" type="datetimeFigureOut">
               <a:rPr lang="en-US" smtClean="0"/>
-              <a:t>8/27/23</a:t>
+              <a:t>9/10/23</a:t>
             </a:fld>
             <a:endParaRPr lang="en-US"/>
           </a:p>
@@ -668,7 +669,7 @@
           <a:p>
             <a:fld id="{E1D21841-37EE-4C4F-8C0E-B2B5846679B2}" type="datetimeFigureOut">
               <a:rPr lang="en-US" smtClean="0"/>
-              <a:t>8/27/23</a:t>
+              <a:t>9/10/23</a:t>
             </a:fld>
             <a:endParaRPr lang="en-US"/>
           </a:p>
@@ -866,7 +867,7 @@
           <a:p>
             <a:fld id="{E1D21841-37EE-4C4F-8C0E-B2B5846679B2}" type="datetimeFigureOut">
               <a:rPr lang="en-US" smtClean="0"/>
-              <a:t>8/27/23</a:t>
+              <a:t>9/10/23</a:t>
             </a:fld>
             <a:endParaRPr lang="en-US"/>
           </a:p>
@@ -1141,7 +1142,7 @@
           <a:p>
             <a:fld id="{E1D21841-37EE-4C4F-8C0E-B2B5846679B2}" type="datetimeFigureOut">
               <a:rPr lang="en-US" smtClean="0"/>
-              <a:t>8/27/23</a:t>
+              <a:t>9/10/23</a:t>
             </a:fld>
             <a:endParaRPr lang="en-US"/>
           </a:p>
@@ -1406,7 +1407,7 @@
           <a:p>
             <a:fld id="{E1D21841-37EE-4C4F-8C0E-B2B5846679B2}" type="datetimeFigureOut">
               <a:rPr lang="en-US" smtClean="0"/>
-              <a:t>8/27/23</a:t>
+              <a:t>9/10/23</a:t>
             </a:fld>
             <a:endParaRPr lang="en-US"/>
           </a:p>
@@ -1818,7 +1819,7 @@
           <a:p>
             <a:fld id="{E1D21841-37EE-4C4F-8C0E-B2B5846679B2}" type="datetimeFigureOut">
               <a:rPr lang="en-US" smtClean="0"/>
-              <a:t>8/27/23</a:t>
+              <a:t>9/10/23</a:t>
             </a:fld>
             <a:endParaRPr lang="en-US"/>
           </a:p>
@@ -1959,7 +1960,7 @@
           <a:p>
             <a:fld id="{E1D21841-37EE-4C4F-8C0E-B2B5846679B2}" type="datetimeFigureOut">
               <a:rPr lang="en-US" smtClean="0"/>
-              <a:t>8/27/23</a:t>
+              <a:t>9/10/23</a:t>
             </a:fld>
             <a:endParaRPr lang="en-US"/>
           </a:p>
@@ -2072,7 +2073,7 @@
           <a:p>
             <a:fld id="{E1D21841-37EE-4C4F-8C0E-B2B5846679B2}" type="datetimeFigureOut">
               <a:rPr lang="en-US" smtClean="0"/>
-              <a:t>8/27/23</a:t>
+              <a:t>9/10/23</a:t>
             </a:fld>
             <a:endParaRPr lang="en-US"/>
           </a:p>
@@ -2383,7 +2384,7 @@
           <a:p>
             <a:fld id="{E1D21841-37EE-4C4F-8C0E-B2B5846679B2}" type="datetimeFigureOut">
               <a:rPr lang="en-US" smtClean="0"/>
-              <a:t>8/27/23</a:t>
+              <a:t>9/10/23</a:t>
             </a:fld>
             <a:endParaRPr lang="en-US"/>
           </a:p>
@@ -2671,7 +2672,7 @@
           <a:p>
             <a:fld id="{E1D21841-37EE-4C4F-8C0E-B2B5846679B2}" type="datetimeFigureOut">
               <a:rPr lang="en-US" smtClean="0"/>
-              <a:t>8/27/23</a:t>
+              <a:t>9/10/23</a:t>
             </a:fld>
             <a:endParaRPr lang="en-US"/>
           </a:p>
@@ -2912,7 +2913,7 @@
           <a:p>
             <a:fld id="{E1D21841-37EE-4C4F-8C0E-B2B5846679B2}" type="datetimeFigureOut">
               <a:rPr lang="en-US" smtClean="0"/>
-              <a:t>8/27/23</a:t>
+              <a:t>9/10/23</a:t>
             </a:fld>
             <a:endParaRPr lang="en-US"/>
           </a:p>
@@ -3566,6 +3567,797 @@
 </file>
 
 <file path=ppt/slides/slide2.xml><?xml version="1.0" encoding="utf-8"?>
+<p:sld xmlns:a="http://schemas.openxmlformats.org/drawingml/2006/main" xmlns:r="http://schemas.openxmlformats.org/officeDocument/2006/relationships" xmlns:p="http://schemas.openxmlformats.org/presentationml/2006/main">
+  <p:cSld>
+    <p:spTree>
+      <p:nvGrpSpPr>
+        <p:cNvPr id="1" name=""/>
+        <p:cNvGrpSpPr/>
+        <p:nvPr/>
+      </p:nvGrpSpPr>
+      <p:grpSpPr>
+        <a:xfrm>
+          <a:off x="0" y="0"/>
+          <a:ext cx="0" cy="0"/>
+          <a:chOff x="0" y="0"/>
+          <a:chExt cx="0" cy="0"/>
+        </a:xfrm>
+      </p:grpSpPr>
+      <p:grpSp>
+        <p:nvGrpSpPr>
+          <p:cNvPr id="11" name="Group 10">
+            <a:extLst>
+              <a:ext uri="{FF2B5EF4-FFF2-40B4-BE49-F238E27FC236}">
+                <a16:creationId xmlns:a16="http://schemas.microsoft.com/office/drawing/2014/main" id="{2E4A6261-AFC4-9ABD-1B7E-778DEE57197E}"/>
+              </a:ext>
+            </a:extLst>
+          </p:cNvPr>
+          <p:cNvGrpSpPr/>
+          <p:nvPr/>
+        </p:nvGrpSpPr>
+        <p:grpSpPr>
+          <a:xfrm>
+            <a:off x="507179" y="-3509"/>
+            <a:ext cx="9299804" cy="9441816"/>
+            <a:chOff x="507179" y="-3509"/>
+            <a:chExt cx="9299804" cy="9441816"/>
+          </a:xfrm>
+        </p:grpSpPr>
+        <p:pic>
+          <p:nvPicPr>
+            <p:cNvPr id="2" name="Picture 1">
+              <a:extLst>
+                <a:ext uri="{FF2B5EF4-FFF2-40B4-BE49-F238E27FC236}">
+                  <a16:creationId xmlns:a16="http://schemas.microsoft.com/office/drawing/2014/main" id="{18BA72A0-EB38-4E0D-0F1B-DBA735AAD76B}"/>
+                </a:ext>
+              </a:extLst>
+            </p:cNvPr>
+            <p:cNvPicPr>
+              <a:picLocks noChangeAspect="1"/>
+            </p:cNvPicPr>
+            <p:nvPr/>
+          </p:nvPicPr>
+          <p:blipFill>
+            <a:blip r:embed="rId2"/>
+            <a:stretch>
+              <a:fillRect/>
+            </a:stretch>
+          </p:blipFill>
+          <p:spPr>
+            <a:xfrm>
+              <a:off x="510207" y="0"/>
+              <a:ext cx="1766455" cy="2286000"/>
+            </a:xfrm>
+            <a:prstGeom prst="rect">
+              <a:avLst/>
+            </a:prstGeom>
+            <a:ln>
+              <a:solidFill>
+                <a:schemeClr val="bg1">
+                  <a:lumMod val="85000"/>
+                </a:schemeClr>
+              </a:solidFill>
+            </a:ln>
+          </p:spPr>
+        </p:pic>
+        <p:pic>
+          <p:nvPicPr>
+            <p:cNvPr id="4" name="Picture 3">
+              <a:extLst>
+                <a:ext uri="{FF2B5EF4-FFF2-40B4-BE49-F238E27FC236}">
+                  <a16:creationId xmlns:a16="http://schemas.microsoft.com/office/drawing/2014/main" id="{84DE0EC8-D548-8C08-C508-84433E734FAB}"/>
+                </a:ext>
+              </a:extLst>
+            </p:cNvPr>
+            <p:cNvPicPr>
+              <a:picLocks noChangeAspect="1"/>
+            </p:cNvPicPr>
+            <p:nvPr/>
+          </p:nvPicPr>
+          <p:blipFill>
+            <a:blip r:embed="rId3"/>
+            <a:stretch>
+              <a:fillRect/>
+            </a:stretch>
+          </p:blipFill>
+          <p:spPr>
+            <a:xfrm>
+              <a:off x="4272259" y="3508"/>
+              <a:ext cx="1766455" cy="2286000"/>
+            </a:xfrm>
+            <a:prstGeom prst="rect">
+              <a:avLst/>
+            </a:prstGeom>
+            <a:ln>
+              <a:solidFill>
+                <a:schemeClr val="bg1">
+                  <a:lumMod val="85000"/>
+                </a:schemeClr>
+              </a:solidFill>
+            </a:ln>
+          </p:spPr>
+        </p:pic>
+        <p:pic>
+          <p:nvPicPr>
+            <p:cNvPr id="12" name="Picture 11">
+              <a:extLst>
+                <a:ext uri="{FF2B5EF4-FFF2-40B4-BE49-F238E27FC236}">
+                  <a16:creationId xmlns:a16="http://schemas.microsoft.com/office/drawing/2014/main" id="{2881D29B-68B2-75B7-09C2-E8AD5BBE860A}"/>
+                </a:ext>
+              </a:extLst>
+            </p:cNvPr>
+            <p:cNvPicPr>
+              <a:picLocks noChangeAspect="1"/>
+            </p:cNvPicPr>
+            <p:nvPr/>
+          </p:nvPicPr>
+          <p:blipFill>
+            <a:blip r:embed="rId4"/>
+            <a:stretch>
+              <a:fillRect/>
+            </a:stretch>
+          </p:blipFill>
+          <p:spPr>
+            <a:xfrm>
+              <a:off x="6153285" y="0"/>
+              <a:ext cx="1766455" cy="2286000"/>
+            </a:xfrm>
+            <a:prstGeom prst="rect">
+              <a:avLst/>
+            </a:prstGeom>
+            <a:ln>
+              <a:solidFill>
+                <a:schemeClr val="bg1">
+                  <a:lumMod val="85000"/>
+                </a:schemeClr>
+              </a:solidFill>
+            </a:ln>
+          </p:spPr>
+        </p:pic>
+        <p:pic>
+          <p:nvPicPr>
+            <p:cNvPr id="13" name="Picture 12">
+              <a:extLst>
+                <a:ext uri="{FF2B5EF4-FFF2-40B4-BE49-F238E27FC236}">
+                  <a16:creationId xmlns:a16="http://schemas.microsoft.com/office/drawing/2014/main" id="{F17A2A33-1825-A918-C4CF-514CC769F28D}"/>
+                </a:ext>
+              </a:extLst>
+            </p:cNvPr>
+            <p:cNvPicPr>
+              <a:picLocks noChangeAspect="1"/>
+            </p:cNvPicPr>
+            <p:nvPr/>
+          </p:nvPicPr>
+          <p:blipFill>
+            <a:blip r:embed="rId5"/>
+            <a:stretch>
+              <a:fillRect/>
+            </a:stretch>
+          </p:blipFill>
+          <p:spPr>
+            <a:xfrm>
+              <a:off x="8034311" y="0"/>
+              <a:ext cx="1766455" cy="2286000"/>
+            </a:xfrm>
+            <a:prstGeom prst="rect">
+              <a:avLst/>
+            </a:prstGeom>
+            <a:ln>
+              <a:solidFill>
+                <a:schemeClr val="bg1">
+                  <a:lumMod val="85000"/>
+                </a:schemeClr>
+              </a:solidFill>
+            </a:ln>
+          </p:spPr>
+        </p:pic>
+        <p:pic>
+          <p:nvPicPr>
+            <p:cNvPr id="14" name="Picture 13">
+              <a:extLst>
+                <a:ext uri="{FF2B5EF4-FFF2-40B4-BE49-F238E27FC236}">
+                  <a16:creationId xmlns:a16="http://schemas.microsoft.com/office/drawing/2014/main" id="{13C96219-DA41-8082-6A78-A7AE3F7CF294}"/>
+                </a:ext>
+              </a:extLst>
+            </p:cNvPr>
+            <p:cNvPicPr>
+              <a:picLocks noChangeAspect="1"/>
+            </p:cNvPicPr>
+            <p:nvPr/>
+          </p:nvPicPr>
+          <p:blipFill>
+            <a:blip r:embed="rId6"/>
+            <a:stretch>
+              <a:fillRect/>
+            </a:stretch>
+          </p:blipFill>
+          <p:spPr>
+            <a:xfrm>
+              <a:off x="507179" y="2380585"/>
+              <a:ext cx="1766455" cy="2286000"/>
+            </a:xfrm>
+            <a:prstGeom prst="rect">
+              <a:avLst/>
+            </a:prstGeom>
+            <a:ln>
+              <a:solidFill>
+                <a:schemeClr val="bg1">
+                  <a:lumMod val="85000"/>
+                </a:schemeClr>
+              </a:solidFill>
+            </a:ln>
+          </p:spPr>
+        </p:pic>
+        <p:pic>
+          <p:nvPicPr>
+            <p:cNvPr id="15" name="Picture 14">
+              <a:extLst>
+                <a:ext uri="{FF2B5EF4-FFF2-40B4-BE49-F238E27FC236}">
+                  <a16:creationId xmlns:a16="http://schemas.microsoft.com/office/drawing/2014/main" id="{7A3A457C-1E02-B117-D658-10230C16613A}"/>
+                </a:ext>
+              </a:extLst>
+            </p:cNvPr>
+            <p:cNvPicPr>
+              <a:picLocks noChangeAspect="1"/>
+            </p:cNvPicPr>
+            <p:nvPr/>
+          </p:nvPicPr>
+          <p:blipFill>
+            <a:blip r:embed="rId7"/>
+            <a:stretch>
+              <a:fillRect/>
+            </a:stretch>
+          </p:blipFill>
+          <p:spPr>
+            <a:xfrm>
+              <a:off x="2388205" y="2380585"/>
+              <a:ext cx="1766455" cy="2286000"/>
+            </a:xfrm>
+            <a:prstGeom prst="rect">
+              <a:avLst/>
+            </a:prstGeom>
+            <a:ln>
+              <a:solidFill>
+                <a:schemeClr val="bg1">
+                  <a:lumMod val="85000"/>
+                </a:schemeClr>
+              </a:solidFill>
+            </a:ln>
+          </p:spPr>
+        </p:pic>
+        <p:pic>
+          <p:nvPicPr>
+            <p:cNvPr id="16" name="Picture 15">
+              <a:extLst>
+                <a:ext uri="{FF2B5EF4-FFF2-40B4-BE49-F238E27FC236}">
+                  <a16:creationId xmlns:a16="http://schemas.microsoft.com/office/drawing/2014/main" id="{7B946604-E21F-A54F-5E29-7CC1ADFCBDD9}"/>
+                </a:ext>
+              </a:extLst>
+            </p:cNvPr>
+            <p:cNvPicPr>
+              <a:picLocks noChangeAspect="1"/>
+            </p:cNvPicPr>
+            <p:nvPr/>
+          </p:nvPicPr>
+          <p:blipFill>
+            <a:blip r:embed="rId8"/>
+            <a:stretch>
+              <a:fillRect/>
+            </a:stretch>
+          </p:blipFill>
+          <p:spPr>
+            <a:xfrm>
+              <a:off x="4269231" y="2380585"/>
+              <a:ext cx="1766455" cy="2286000"/>
+            </a:xfrm>
+            <a:prstGeom prst="rect">
+              <a:avLst/>
+            </a:prstGeom>
+            <a:ln>
+              <a:solidFill>
+                <a:schemeClr val="bg1">
+                  <a:lumMod val="85000"/>
+                </a:schemeClr>
+              </a:solidFill>
+            </a:ln>
+          </p:spPr>
+        </p:pic>
+        <p:pic>
+          <p:nvPicPr>
+            <p:cNvPr id="17" name="Picture 16">
+              <a:extLst>
+                <a:ext uri="{FF2B5EF4-FFF2-40B4-BE49-F238E27FC236}">
+                  <a16:creationId xmlns:a16="http://schemas.microsoft.com/office/drawing/2014/main" id="{A0774EDB-4A1B-EAAA-3541-EC756F478B1A}"/>
+                </a:ext>
+              </a:extLst>
+            </p:cNvPr>
+            <p:cNvPicPr>
+              <a:picLocks noChangeAspect="1"/>
+            </p:cNvPicPr>
+            <p:nvPr/>
+          </p:nvPicPr>
+          <p:blipFill>
+            <a:blip r:embed="rId9"/>
+            <a:stretch>
+              <a:fillRect/>
+            </a:stretch>
+          </p:blipFill>
+          <p:spPr>
+            <a:xfrm>
+              <a:off x="6150257" y="2382339"/>
+              <a:ext cx="1766455" cy="2286000"/>
+            </a:xfrm>
+            <a:prstGeom prst="rect">
+              <a:avLst/>
+            </a:prstGeom>
+            <a:ln>
+              <a:solidFill>
+                <a:schemeClr val="bg1">
+                  <a:lumMod val="85000"/>
+                </a:schemeClr>
+              </a:solidFill>
+            </a:ln>
+          </p:spPr>
+        </p:pic>
+        <p:pic>
+          <p:nvPicPr>
+            <p:cNvPr id="18" name="Picture 17">
+              <a:extLst>
+                <a:ext uri="{FF2B5EF4-FFF2-40B4-BE49-F238E27FC236}">
+                  <a16:creationId xmlns:a16="http://schemas.microsoft.com/office/drawing/2014/main" id="{538ECC0C-902B-2498-DFB3-98E28C11710F}"/>
+                </a:ext>
+              </a:extLst>
+            </p:cNvPr>
+            <p:cNvPicPr>
+              <a:picLocks noChangeAspect="1"/>
+            </p:cNvPicPr>
+            <p:nvPr/>
+          </p:nvPicPr>
+          <p:blipFill>
+            <a:blip r:embed="rId10"/>
+            <a:stretch>
+              <a:fillRect/>
+            </a:stretch>
+          </p:blipFill>
+          <p:spPr>
+            <a:xfrm>
+              <a:off x="8031283" y="2380585"/>
+              <a:ext cx="1766455" cy="2286000"/>
+            </a:xfrm>
+            <a:prstGeom prst="rect">
+              <a:avLst/>
+            </a:prstGeom>
+            <a:ln>
+              <a:solidFill>
+                <a:schemeClr val="bg1">
+                  <a:lumMod val="85000"/>
+                </a:schemeClr>
+              </a:solidFill>
+            </a:ln>
+          </p:spPr>
+        </p:pic>
+        <p:pic>
+          <p:nvPicPr>
+            <p:cNvPr id="21" name="Picture 20">
+              <a:extLst>
+                <a:ext uri="{FF2B5EF4-FFF2-40B4-BE49-F238E27FC236}">
+                  <a16:creationId xmlns:a16="http://schemas.microsoft.com/office/drawing/2014/main" id="{556FFD56-3706-EE2F-3228-C70BE7F138C0}"/>
+                </a:ext>
+              </a:extLst>
+            </p:cNvPr>
+            <p:cNvPicPr>
+              <a:picLocks noChangeAspect="1"/>
+            </p:cNvPicPr>
+            <p:nvPr/>
+          </p:nvPicPr>
+          <p:blipFill>
+            <a:blip r:embed="rId11"/>
+            <a:stretch>
+              <a:fillRect/>
+            </a:stretch>
+          </p:blipFill>
+          <p:spPr>
+            <a:xfrm>
+              <a:off x="4269231" y="4764678"/>
+              <a:ext cx="1766455" cy="2286000"/>
+            </a:xfrm>
+            <a:prstGeom prst="rect">
+              <a:avLst/>
+            </a:prstGeom>
+            <a:ln>
+              <a:solidFill>
+                <a:schemeClr val="bg1">
+                  <a:lumMod val="85000"/>
+                </a:schemeClr>
+              </a:solidFill>
+            </a:ln>
+          </p:spPr>
+        </p:pic>
+        <p:pic>
+          <p:nvPicPr>
+            <p:cNvPr id="22" name="Picture 21">
+              <a:extLst>
+                <a:ext uri="{FF2B5EF4-FFF2-40B4-BE49-F238E27FC236}">
+                  <a16:creationId xmlns:a16="http://schemas.microsoft.com/office/drawing/2014/main" id="{14F4F339-DFC0-0A3F-E352-0FB648FF8037}"/>
+                </a:ext>
+              </a:extLst>
+            </p:cNvPr>
+            <p:cNvPicPr>
+              <a:picLocks noChangeAspect="1"/>
+            </p:cNvPicPr>
+            <p:nvPr/>
+          </p:nvPicPr>
+          <p:blipFill>
+            <a:blip r:embed="rId12"/>
+            <a:stretch>
+              <a:fillRect/>
+            </a:stretch>
+          </p:blipFill>
+          <p:spPr>
+            <a:xfrm>
+              <a:off x="6149500" y="4764678"/>
+              <a:ext cx="1766455" cy="2286000"/>
+            </a:xfrm>
+            <a:prstGeom prst="rect">
+              <a:avLst/>
+            </a:prstGeom>
+            <a:ln>
+              <a:solidFill>
+                <a:schemeClr val="bg1">
+                  <a:lumMod val="85000"/>
+                </a:schemeClr>
+              </a:solidFill>
+            </a:ln>
+          </p:spPr>
+        </p:pic>
+        <p:pic>
+          <p:nvPicPr>
+            <p:cNvPr id="24" name="Picture 23">
+              <a:extLst>
+                <a:ext uri="{FF2B5EF4-FFF2-40B4-BE49-F238E27FC236}">
+                  <a16:creationId xmlns:a16="http://schemas.microsoft.com/office/drawing/2014/main" id="{11B8441F-F574-2F6B-B088-10290209B1E3}"/>
+                </a:ext>
+              </a:extLst>
+            </p:cNvPr>
+            <p:cNvPicPr>
+              <a:picLocks noChangeAspect="1"/>
+            </p:cNvPicPr>
+            <p:nvPr/>
+          </p:nvPicPr>
+          <p:blipFill>
+            <a:blip r:embed="rId13"/>
+            <a:stretch>
+              <a:fillRect/>
+            </a:stretch>
+          </p:blipFill>
+          <p:spPr>
+            <a:xfrm>
+              <a:off x="508458" y="7152307"/>
+              <a:ext cx="1766455" cy="2286000"/>
+            </a:xfrm>
+            <a:prstGeom prst="rect">
+              <a:avLst/>
+            </a:prstGeom>
+            <a:ln>
+              <a:solidFill>
+                <a:schemeClr val="bg1">
+                  <a:lumMod val="85000"/>
+                </a:schemeClr>
+              </a:solidFill>
+            </a:ln>
+          </p:spPr>
+        </p:pic>
+        <p:pic>
+          <p:nvPicPr>
+            <p:cNvPr id="25" name="Picture 24">
+              <a:extLst>
+                <a:ext uri="{FF2B5EF4-FFF2-40B4-BE49-F238E27FC236}">
+                  <a16:creationId xmlns:a16="http://schemas.microsoft.com/office/drawing/2014/main" id="{AC8B3C10-9E9F-30C4-FB48-31FDE05FFF0A}"/>
+                </a:ext>
+              </a:extLst>
+            </p:cNvPr>
+            <p:cNvPicPr>
+              <a:picLocks noChangeAspect="1"/>
+            </p:cNvPicPr>
+            <p:nvPr/>
+          </p:nvPicPr>
+          <p:blipFill>
+            <a:blip r:embed="rId14"/>
+            <a:stretch>
+              <a:fillRect/>
+            </a:stretch>
+          </p:blipFill>
+          <p:spPr>
+            <a:xfrm>
+              <a:off x="4274493" y="7152307"/>
+              <a:ext cx="1766455" cy="2286000"/>
+            </a:xfrm>
+            <a:prstGeom prst="rect">
+              <a:avLst/>
+            </a:prstGeom>
+            <a:ln>
+              <a:solidFill>
+                <a:schemeClr val="bg1">
+                  <a:lumMod val="85000"/>
+                </a:schemeClr>
+              </a:solidFill>
+            </a:ln>
+          </p:spPr>
+        </p:pic>
+        <p:pic>
+          <p:nvPicPr>
+            <p:cNvPr id="26" name="Picture 25">
+              <a:extLst>
+                <a:ext uri="{FF2B5EF4-FFF2-40B4-BE49-F238E27FC236}">
+                  <a16:creationId xmlns:a16="http://schemas.microsoft.com/office/drawing/2014/main" id="{A6B90D79-6008-DCA5-433C-165B6C6940D7}"/>
+                </a:ext>
+              </a:extLst>
+            </p:cNvPr>
+            <p:cNvPicPr>
+              <a:picLocks noChangeAspect="1"/>
+            </p:cNvPicPr>
+            <p:nvPr/>
+          </p:nvPicPr>
+          <p:blipFill>
+            <a:blip r:embed="rId15"/>
+            <a:stretch>
+              <a:fillRect/>
+            </a:stretch>
+          </p:blipFill>
+          <p:spPr>
+            <a:xfrm>
+              <a:off x="6149263" y="7145263"/>
+              <a:ext cx="1766455" cy="2286000"/>
+            </a:xfrm>
+            <a:prstGeom prst="rect">
+              <a:avLst/>
+            </a:prstGeom>
+            <a:ln>
+              <a:solidFill>
+                <a:schemeClr val="bg1">
+                  <a:lumMod val="85000"/>
+                </a:schemeClr>
+              </a:solidFill>
+            </a:ln>
+          </p:spPr>
+        </p:pic>
+        <p:pic>
+          <p:nvPicPr>
+            <p:cNvPr id="5" name="Picture 4">
+              <a:extLst>
+                <a:ext uri="{FF2B5EF4-FFF2-40B4-BE49-F238E27FC236}">
+                  <a16:creationId xmlns:a16="http://schemas.microsoft.com/office/drawing/2014/main" id="{0153E1A1-C9FA-6CE7-889A-25A598827B6C}"/>
+                </a:ext>
+              </a:extLst>
+            </p:cNvPr>
+            <p:cNvPicPr>
+              <a:picLocks noChangeAspect="1"/>
+            </p:cNvPicPr>
+            <p:nvPr/>
+          </p:nvPicPr>
+          <p:blipFill>
+            <a:blip r:embed="rId16"/>
+            <a:stretch>
+              <a:fillRect/>
+            </a:stretch>
+          </p:blipFill>
+          <p:spPr>
+            <a:xfrm>
+              <a:off x="2388205" y="-3509"/>
+              <a:ext cx="1766692" cy="2286001"/>
+            </a:xfrm>
+            <a:prstGeom prst="rect">
+              <a:avLst/>
+            </a:prstGeom>
+            <a:ln>
+              <a:solidFill>
+                <a:schemeClr val="bg1">
+                  <a:lumMod val="85000"/>
+                </a:schemeClr>
+              </a:solidFill>
+            </a:ln>
+          </p:spPr>
+        </p:pic>
+        <p:pic>
+          <p:nvPicPr>
+            <p:cNvPr id="8" name="Picture 7">
+              <a:extLst>
+                <a:ext uri="{FF2B5EF4-FFF2-40B4-BE49-F238E27FC236}">
+                  <a16:creationId xmlns:a16="http://schemas.microsoft.com/office/drawing/2014/main" id="{370EEB43-2FAB-DEA0-87B9-2E9FE22C15C5}"/>
+                </a:ext>
+              </a:extLst>
+            </p:cNvPr>
+            <p:cNvPicPr>
+              <a:picLocks noChangeAspect="1"/>
+            </p:cNvPicPr>
+            <p:nvPr/>
+          </p:nvPicPr>
+          <p:blipFill>
+            <a:blip r:embed="rId17"/>
+            <a:stretch>
+              <a:fillRect/>
+            </a:stretch>
+          </p:blipFill>
+          <p:spPr>
+            <a:xfrm>
+              <a:off x="2394803" y="7152308"/>
+              <a:ext cx="1760656" cy="2278956"/>
+            </a:xfrm>
+            <a:prstGeom prst="rect">
+              <a:avLst/>
+            </a:prstGeom>
+            <a:ln>
+              <a:solidFill>
+                <a:schemeClr val="bg1">
+                  <a:lumMod val="85000"/>
+                </a:schemeClr>
+              </a:solidFill>
+            </a:ln>
+          </p:spPr>
+        </p:pic>
+        <p:pic>
+          <p:nvPicPr>
+            <p:cNvPr id="9" name="Picture 8">
+              <a:extLst>
+                <a:ext uri="{FF2B5EF4-FFF2-40B4-BE49-F238E27FC236}">
+                  <a16:creationId xmlns:a16="http://schemas.microsoft.com/office/drawing/2014/main" id="{86DDB529-F733-9169-E755-AE81292B975A}"/>
+                </a:ext>
+              </a:extLst>
+            </p:cNvPr>
+            <p:cNvPicPr>
+              <a:picLocks noChangeAspect="1"/>
+            </p:cNvPicPr>
+            <p:nvPr/>
+          </p:nvPicPr>
+          <p:blipFill>
+            <a:blip r:embed="rId18"/>
+            <a:stretch>
+              <a:fillRect/>
+            </a:stretch>
+          </p:blipFill>
+          <p:spPr>
+            <a:xfrm>
+              <a:off x="8040528" y="7145263"/>
+              <a:ext cx="1766455" cy="2286461"/>
+            </a:xfrm>
+            <a:prstGeom prst="rect">
+              <a:avLst/>
+            </a:prstGeom>
+            <a:ln>
+              <a:solidFill>
+                <a:schemeClr val="bg1">
+                  <a:lumMod val="85000"/>
+                </a:schemeClr>
+              </a:solidFill>
+            </a:ln>
+          </p:spPr>
+        </p:pic>
+        <p:pic>
+          <p:nvPicPr>
+            <p:cNvPr id="3" name="Picture 2">
+              <a:extLst>
+                <a:ext uri="{FF2B5EF4-FFF2-40B4-BE49-F238E27FC236}">
+                  <a16:creationId xmlns:a16="http://schemas.microsoft.com/office/drawing/2014/main" id="{43C3769B-0181-5CE0-A8E9-575A68CD6081}"/>
+                </a:ext>
+              </a:extLst>
+            </p:cNvPr>
+            <p:cNvPicPr>
+              <a:picLocks noChangeAspect="1"/>
+            </p:cNvPicPr>
+            <p:nvPr/>
+          </p:nvPicPr>
+          <p:blipFill>
+            <a:blip r:embed="rId19"/>
+            <a:stretch>
+              <a:fillRect/>
+            </a:stretch>
+          </p:blipFill>
+          <p:spPr>
+            <a:xfrm>
+              <a:off x="8029769" y="4761170"/>
+              <a:ext cx="1766455" cy="2287152"/>
+            </a:xfrm>
+            <a:prstGeom prst="rect">
+              <a:avLst/>
+            </a:prstGeom>
+            <a:ln>
+              <a:solidFill>
+                <a:schemeClr val="bg1">
+                  <a:lumMod val="85000"/>
+                </a:schemeClr>
+              </a:solidFill>
+            </a:ln>
+          </p:spPr>
+        </p:pic>
+        <p:pic>
+          <p:nvPicPr>
+            <p:cNvPr id="7" name="Picture 6">
+              <a:extLst>
+                <a:ext uri="{FF2B5EF4-FFF2-40B4-BE49-F238E27FC236}">
+                  <a16:creationId xmlns:a16="http://schemas.microsoft.com/office/drawing/2014/main" id="{B16CE478-9FDF-9F68-6F48-EBE9AE3D5E2C}"/>
+                </a:ext>
+              </a:extLst>
+            </p:cNvPr>
+            <p:cNvPicPr>
+              <a:picLocks noChangeAspect="1"/>
+            </p:cNvPicPr>
+            <p:nvPr/>
+          </p:nvPicPr>
+          <p:blipFill>
+            <a:blip r:embed="rId20"/>
+            <a:stretch>
+              <a:fillRect/>
+            </a:stretch>
+          </p:blipFill>
+          <p:spPr>
+            <a:xfrm>
+              <a:off x="507179" y="4761170"/>
+              <a:ext cx="1762233" cy="2286000"/>
+            </a:xfrm>
+            <a:prstGeom prst="rect">
+              <a:avLst/>
+            </a:prstGeom>
+            <a:ln>
+              <a:solidFill>
+                <a:schemeClr val="bg1">
+                  <a:lumMod val="85000"/>
+                </a:schemeClr>
+              </a:solidFill>
+            </a:ln>
+          </p:spPr>
+        </p:pic>
+        <p:pic>
+          <p:nvPicPr>
+            <p:cNvPr id="10" name="Picture 9">
+              <a:extLst>
+                <a:ext uri="{FF2B5EF4-FFF2-40B4-BE49-F238E27FC236}">
+                  <a16:creationId xmlns:a16="http://schemas.microsoft.com/office/drawing/2014/main" id="{48E5622F-F877-FCD0-A797-EF986AE4DC95}"/>
+                </a:ext>
+              </a:extLst>
+            </p:cNvPr>
+            <p:cNvPicPr>
+              <a:picLocks noChangeAspect="1"/>
+            </p:cNvPicPr>
+            <p:nvPr/>
+          </p:nvPicPr>
+          <p:blipFill>
+            <a:blip r:embed="rId21"/>
+            <a:stretch>
+              <a:fillRect/>
+            </a:stretch>
+          </p:blipFill>
+          <p:spPr>
+            <a:xfrm>
+              <a:off x="2383226" y="4761170"/>
+              <a:ext cx="1765401" cy="2286000"/>
+            </a:xfrm>
+            <a:prstGeom prst="rect">
+              <a:avLst/>
+            </a:prstGeom>
+            <a:ln>
+              <a:solidFill>
+                <a:schemeClr val="bg1">
+                  <a:lumMod val="85000"/>
+                </a:schemeClr>
+              </a:solidFill>
+            </a:ln>
+          </p:spPr>
+        </p:pic>
+      </p:grpSp>
+    </p:spTree>
+    <p:extLst>
+      <p:ext uri="{BB962C8B-B14F-4D97-AF65-F5344CB8AC3E}">
+        <p14:creationId xmlns:p14="http://schemas.microsoft.com/office/powerpoint/2010/main" val="2348708971"/>
+      </p:ext>
+    </p:extLst>
+  </p:cSld>
+  <p:clrMapOvr>
+    <a:masterClrMapping/>
+  </p:clrMapOvr>
+</p:sld>
+</file>
+
+<file path=ppt/slides/slide3.xml><?xml version="1.0" encoding="utf-8"?>
 <p:sld xmlns:a="http://schemas.openxmlformats.org/drawingml/2006/main" xmlns:r="http://schemas.openxmlformats.org/officeDocument/2006/relationships" xmlns:p="http://schemas.openxmlformats.org/presentationml/2006/main">
   <p:cSld>
     <p:spTree>
@@ -4346,7 +5138,7 @@
     </p:spTree>
     <p:extLst>
       <p:ext uri="{BB962C8B-B14F-4D97-AF65-F5344CB8AC3E}">
-        <p14:creationId xmlns:p14="http://schemas.microsoft.com/office/powerpoint/2010/main" val="2348708971"/>
+        <p14:creationId xmlns:p14="http://schemas.microsoft.com/office/powerpoint/2010/main" val="533532317"/>
       </p:ext>
     </p:extLst>
   </p:cSld>
@@ -4356,7 +5148,7 @@
 </p:sld>
 </file>
 
-<file path=ppt/slides/slide3.xml><?xml version="1.0" encoding="utf-8"?>
+<file path=ppt/slides/slide4.xml><?xml version="1.0" encoding="utf-8"?>
 <p:sld xmlns:a="http://schemas.openxmlformats.org/drawingml/2006/main" xmlns:r="http://schemas.openxmlformats.org/officeDocument/2006/relationships" xmlns:p="http://schemas.openxmlformats.org/presentationml/2006/main">
   <p:cSld>
     <p:spTree>
@@ -4572,7 +5364,7 @@
 </p:sld>
 </file>
 
-<file path=ppt/slides/slide4.xml><?xml version="1.0" encoding="utf-8"?>
+<file path=ppt/slides/slide5.xml><?xml version="1.0" encoding="utf-8"?>
 <p:sld xmlns:a="http://schemas.openxmlformats.org/drawingml/2006/main" xmlns:r="http://schemas.openxmlformats.org/officeDocument/2006/relationships" xmlns:p="http://schemas.openxmlformats.org/presentationml/2006/main">
   <p:cSld>
     <p:spTree>
